--- a/170828_Assembly.pptx
+++ b/170828_Assembly.pptx
@@ -5,16 +5,16 @@
     <p:sldMasterId id="2147483648" r:id="rId1"/>
   </p:sldMasterIdLst>
   <p:sldIdLst>
-    <p:sldId id="256" r:id="rId2"/>
-    <p:sldId id="257" r:id="rId3"/>
-    <p:sldId id="258" r:id="rId4"/>
-    <p:sldId id="259" r:id="rId5"/>
-    <p:sldId id="260" r:id="rId6"/>
-    <p:sldId id="261" r:id="rId7"/>
-    <p:sldId id="262" r:id="rId8"/>
-    <p:sldId id="263" r:id="rId9"/>
-    <p:sldId id="264" r:id="rId10"/>
-    <p:sldId id="265" r:id="rId11"/>
+    <p:sldId id="266" r:id="rId2"/>
+    <p:sldId id="269" r:id="rId3"/>
+    <p:sldId id="270" r:id="rId4"/>
+    <p:sldId id="271" r:id="rId5"/>
+    <p:sldId id="272" r:id="rId6"/>
+    <p:sldId id="273" r:id="rId7"/>
+    <p:sldId id="274" r:id="rId8"/>
+    <p:sldId id="275" r:id="rId9"/>
+    <p:sldId id="276" r:id="rId10"/>
+    <p:sldId id="277" r:id="rId11"/>
   </p:sldIdLst>
   <p:sldSz cx="12192000" cy="6858000"/>
   <p:notesSz cx="6858000" cy="9144000"/>
@@ -113,6 +113,11 @@
       </a:defRPr>
     </a:lvl9pPr>
   </p:defaultTextStyle>
+  <p:extLst>
+    <p:ext uri="{EFAFB233-063F-42B5-8137-9DF3F51BA10A}">
+      <p15:sldGuideLst xmlns:p15="http://schemas.microsoft.com/office/powerpoint/2012/main"/>
+    </p:ext>
+  </p:extLst>
 </p:presentation>
 </file>
 
@@ -161,7 +166,6 @@
               <a:rPr lang="en-US"/>
               <a:t>Click to edit Master title style</a:t>
             </a:r>
-            <a:endParaRPr lang="en-US"/>
           </a:p>
         </p:txBody>
       </p:sp>
@@ -226,7 +230,6 @@
               <a:rPr lang="en-US"/>
               <a:t>Click to edit Master subtitle style</a:t>
             </a:r>
-            <a:endParaRPr lang="en-US"/>
           </a:p>
         </p:txBody>
       </p:sp>
@@ -344,7 +347,6 @@
               <a:rPr lang="en-US"/>
               <a:t>Click to edit Master title style</a:t>
             </a:r>
-            <a:endParaRPr lang="en-US"/>
           </a:p>
         </p:txBody>
       </p:sp>
@@ -396,7 +398,6 @@
               <a:rPr lang="en-US"/>
               <a:t>Fifth level</a:t>
             </a:r>
-            <a:endParaRPr lang="en-US"/>
           </a:p>
         </p:txBody>
       </p:sp>
@@ -519,7 +520,6 @@
               <a:rPr lang="en-US"/>
               <a:t>Click to edit Master title style</a:t>
             </a:r>
-            <a:endParaRPr lang="en-US"/>
           </a:p>
         </p:txBody>
       </p:sp>
@@ -576,7 +576,6 @@
               <a:rPr lang="en-US"/>
               <a:t>Fifth level</a:t>
             </a:r>
-            <a:endParaRPr lang="en-US"/>
           </a:p>
         </p:txBody>
       </p:sp>
@@ -694,7 +693,6 @@
               <a:rPr lang="en-US"/>
               <a:t>Click to edit Master title style</a:t>
             </a:r>
-            <a:endParaRPr lang="en-US"/>
           </a:p>
         </p:txBody>
       </p:sp>
@@ -746,7 +744,6 @@
               <a:rPr lang="en-US"/>
               <a:t>Fifth level</a:t>
             </a:r>
-            <a:endParaRPr lang="en-US"/>
           </a:p>
         </p:txBody>
       </p:sp>
@@ -873,7 +870,6 @@
               <a:rPr lang="en-US"/>
               <a:t>Click to edit Master title style</a:t>
             </a:r>
-            <a:endParaRPr lang="en-US"/>
           </a:p>
         </p:txBody>
       </p:sp>
@@ -1110,7 +1106,6 @@
               <a:rPr lang="en-US"/>
               <a:t>Click to edit Master title style</a:t>
             </a:r>
-            <a:endParaRPr lang="en-US"/>
           </a:p>
         </p:txBody>
       </p:sp>
@@ -1167,7 +1162,6 @@
               <a:rPr lang="en-US"/>
               <a:t>Fifth level</a:t>
             </a:r>
-            <a:endParaRPr lang="en-US"/>
           </a:p>
         </p:txBody>
       </p:sp>
@@ -1224,7 +1218,6 @@
               <a:rPr lang="en-US"/>
               <a:t>Fifth level</a:t>
             </a:r>
-            <a:endParaRPr lang="en-US"/>
           </a:p>
         </p:txBody>
       </p:sp>
@@ -1347,7 +1340,6 @@
               <a:rPr lang="en-US"/>
               <a:t>Click to edit Master title style</a:t>
             </a:r>
-            <a:endParaRPr lang="en-US"/>
           </a:p>
         </p:txBody>
       </p:sp>
@@ -1469,7 +1461,6 @@
               <a:rPr lang="en-US"/>
               <a:t>Fifth level</a:t>
             </a:r>
-            <a:endParaRPr lang="en-US"/>
           </a:p>
         </p:txBody>
       </p:sp>
@@ -1591,7 +1582,6 @@
               <a:rPr lang="en-US"/>
               <a:t>Fifth level</a:t>
             </a:r>
-            <a:endParaRPr lang="en-US"/>
           </a:p>
         </p:txBody>
       </p:sp>
@@ -1709,7 +1699,6 @@
               <a:rPr lang="en-US"/>
               <a:t>Click to edit Master title style</a:t>
             </a:r>
-            <a:endParaRPr lang="en-US"/>
           </a:p>
         </p:txBody>
       </p:sp>
@@ -1931,7 +1920,6 @@
               <a:rPr lang="en-US"/>
               <a:t>Click to edit Master title style</a:t>
             </a:r>
-            <a:endParaRPr lang="en-US"/>
           </a:p>
         </p:txBody>
       </p:sp>
@@ -2016,7 +2004,6 @@
               <a:rPr lang="en-US"/>
               <a:t>Fifth level</a:t>
             </a:r>
-            <a:endParaRPr lang="en-US"/>
           </a:p>
         </p:txBody>
       </p:sp>
@@ -2208,7 +2195,6 @@
               <a:rPr lang="en-US"/>
               <a:t>Click to edit Master title style</a:t>
             </a:r>
-            <a:endParaRPr lang="en-US"/>
           </a:p>
         </p:txBody>
       </p:sp>
@@ -2467,7 +2453,6 @@
               <a:rPr lang="en-US"/>
               <a:t>Click to edit Master title style</a:t>
             </a:r>
-            <a:endParaRPr lang="en-US"/>
           </a:p>
         </p:txBody>
       </p:sp>
@@ -2529,7 +2514,6 @@
               <a:rPr lang="en-US"/>
               <a:t>Fifth level</a:t>
             </a:r>
-            <a:endParaRPr lang="en-US"/>
           </a:p>
         </p:txBody>
       </p:sp>
@@ -2975,13 +2959,11 @@
       </p:grpSpPr>
       <p:pic>
         <p:nvPicPr>
-          <p:cNvPr id="9" name="Content Placeholder 8"/>
+          <p:cNvPr id="3" name="Picture 2"/>
           <p:cNvPicPr>
-            <a:picLocks noGrp="1" noChangeAspect="1"/>
+            <a:picLocks noChangeAspect="1"/>
           </p:cNvPicPr>
-          <p:nvPr>
-            <p:ph idx="1"/>
-          </p:nvPr>
+          <p:nvPr/>
         </p:nvPicPr>
         <p:blipFill>
           <a:blip r:embed="rId2">
@@ -2997,61 +2979,254 @@
         </p:blipFill>
         <p:spPr>
           <a:xfrm>
-            <a:off x="-506" y="-10281"/>
-            <a:ext cx="15073869" cy="6868281"/>
+            <a:off x="0" y="425692"/>
+            <a:ext cx="12192000" cy="6006616"/>
           </a:xfrm>
+          <a:prstGeom prst="rect">
+            <a:avLst/>
+          </a:prstGeom>
         </p:spPr>
       </p:pic>
       <p:sp>
         <p:nvSpPr>
-          <p:cNvPr id="2" name="Title 1"/>
-          <p:cNvSpPr>
-            <a:spLocks noGrp="1"/>
-          </p:cNvSpPr>
-          <p:nvPr>
-            <p:ph type="title"/>
-          </p:nvPr>
-        </p:nvSpPr>
-        <p:spPr/>
+          <p:cNvPr id="4" name="Title 1"/>
+          <p:cNvSpPr txBox="1">
+            <a:spLocks/>
+          </p:cNvSpPr>
+          <p:nvPr/>
+        </p:nvSpPr>
+        <p:spPr>
+          <a:xfrm>
+            <a:off x="558435" y="425692"/>
+            <a:ext cx="5054575" cy="737036"/>
+          </a:xfrm>
+          <a:prstGeom prst="rect">
+            <a:avLst/>
+          </a:prstGeom>
+        </p:spPr>
         <p:txBody>
           <a:bodyPr/>
-          <a:lstStyle/>
+          <a:lstStyle>
+            <a:lvl1pPr algn="l" defTabSz="914400" rtl="0" eaLnBrk="1" latinLnBrk="0" hangingPunct="1">
+              <a:lnSpc>
+                <a:spcPct val="90000"/>
+              </a:lnSpc>
+              <a:spcBef>
+                <a:spcPct val="0"/>
+              </a:spcBef>
+              <a:buNone/>
+              <a:defRPr sz="4400" kern="1200">
+                <a:solidFill>
+                  <a:schemeClr val="tx1"/>
+                </a:solidFill>
+                <a:latin typeface="+mj-lt"/>
+                <a:ea typeface="+mj-ea"/>
+                <a:cs typeface="+mj-cs"/>
+              </a:defRPr>
+            </a:lvl1pPr>
+          </a:lstStyle>
           <a:p>
             <a:r>
               <a:rPr lang="en-US" dirty="0"/>
               <a:t>Base</a:t>
             </a:r>
           </a:p>
-        </p:txBody>
-      </p:sp>
-      <p:sp>
-        <p:nvSpPr>
-          <p:cNvPr id="4" name="Text Placeholder 3"/>
-          <p:cNvSpPr>
-            <a:spLocks noGrp="1"/>
-          </p:cNvSpPr>
-          <p:nvPr>
-            <p:ph type="body" sz="half" idx="2"/>
-          </p:nvPr>
-        </p:nvSpPr>
-        <p:spPr/>
+          <a:p>
+            <a:endParaRPr lang="en-US" dirty="0"/>
+          </a:p>
+        </p:txBody>
+      </p:sp>
+      <p:sp>
+        <p:nvSpPr>
+          <p:cNvPr id="5" name="Text Placeholder 3"/>
+          <p:cNvSpPr txBox="1">
+            <a:spLocks/>
+          </p:cNvSpPr>
+          <p:nvPr/>
+        </p:nvSpPr>
+        <p:spPr>
+          <a:xfrm>
+            <a:off x="85032" y="1162728"/>
+            <a:ext cx="2615966" cy="5269580"/>
+          </a:xfrm>
+          <a:prstGeom prst="rect">
+            <a:avLst/>
+          </a:prstGeom>
+        </p:spPr>
         <p:txBody>
           <a:bodyPr>
             <a:normAutofit/>
           </a:bodyPr>
-          <a:lstStyle/>
-          <a:p>
-            <a:pPr marL="285750" indent="-285750">
-              <a:buFont typeface="Arial" panose="020B0604020202020204" pitchFamily="34" charset="0"/>
-              <a:buChar char="•"/>
-            </a:pPr>
+          <a:lstStyle>
+            <a:lvl1pPr marL="228600" indent="-228600" algn="l" defTabSz="914400" rtl="0" eaLnBrk="1" latinLnBrk="0" hangingPunct="1">
+              <a:lnSpc>
+                <a:spcPct val="90000"/>
+              </a:lnSpc>
+              <a:spcBef>
+                <a:spcPts val="1000"/>
+              </a:spcBef>
+              <a:buFont typeface="Arial" panose="020B0604020202020204" pitchFamily="34" charset="0"/>
+              <a:buChar char="•"/>
+              <a:defRPr sz="2800" kern="1200">
+                <a:solidFill>
+                  <a:schemeClr val="tx1"/>
+                </a:solidFill>
+                <a:latin typeface="+mn-lt"/>
+                <a:ea typeface="+mn-ea"/>
+                <a:cs typeface="+mn-cs"/>
+              </a:defRPr>
+            </a:lvl1pPr>
+            <a:lvl2pPr marL="685800" indent="-228600" algn="l" defTabSz="914400" rtl="0" eaLnBrk="1" latinLnBrk="0" hangingPunct="1">
+              <a:lnSpc>
+                <a:spcPct val="90000"/>
+              </a:lnSpc>
+              <a:spcBef>
+                <a:spcPts val="500"/>
+              </a:spcBef>
+              <a:buFont typeface="Arial" panose="020B0604020202020204" pitchFamily="34" charset="0"/>
+              <a:buChar char="•"/>
+              <a:defRPr sz="2400" kern="1200">
+                <a:solidFill>
+                  <a:schemeClr val="tx1"/>
+                </a:solidFill>
+                <a:latin typeface="+mn-lt"/>
+                <a:ea typeface="+mn-ea"/>
+                <a:cs typeface="+mn-cs"/>
+              </a:defRPr>
+            </a:lvl2pPr>
+            <a:lvl3pPr marL="1143000" indent="-228600" algn="l" defTabSz="914400" rtl="0" eaLnBrk="1" latinLnBrk="0" hangingPunct="1">
+              <a:lnSpc>
+                <a:spcPct val="90000"/>
+              </a:lnSpc>
+              <a:spcBef>
+                <a:spcPts val="500"/>
+              </a:spcBef>
+              <a:buFont typeface="Arial" panose="020B0604020202020204" pitchFamily="34" charset="0"/>
+              <a:buChar char="•"/>
+              <a:defRPr sz="2000" kern="1200">
+                <a:solidFill>
+                  <a:schemeClr val="tx1"/>
+                </a:solidFill>
+                <a:latin typeface="+mn-lt"/>
+                <a:ea typeface="+mn-ea"/>
+                <a:cs typeface="+mn-cs"/>
+              </a:defRPr>
+            </a:lvl3pPr>
+            <a:lvl4pPr marL="1600200" indent="-228600" algn="l" defTabSz="914400" rtl="0" eaLnBrk="1" latinLnBrk="0" hangingPunct="1">
+              <a:lnSpc>
+                <a:spcPct val="90000"/>
+              </a:lnSpc>
+              <a:spcBef>
+                <a:spcPts val="500"/>
+              </a:spcBef>
+              <a:buFont typeface="Arial" panose="020B0604020202020204" pitchFamily="34" charset="0"/>
+              <a:buChar char="•"/>
+              <a:defRPr sz="1800" kern="1200">
+                <a:solidFill>
+                  <a:schemeClr val="tx1"/>
+                </a:solidFill>
+                <a:latin typeface="+mn-lt"/>
+                <a:ea typeface="+mn-ea"/>
+                <a:cs typeface="+mn-cs"/>
+              </a:defRPr>
+            </a:lvl4pPr>
+            <a:lvl5pPr marL="2057400" indent="-228600" algn="l" defTabSz="914400" rtl="0" eaLnBrk="1" latinLnBrk="0" hangingPunct="1">
+              <a:lnSpc>
+                <a:spcPct val="90000"/>
+              </a:lnSpc>
+              <a:spcBef>
+                <a:spcPts val="500"/>
+              </a:spcBef>
+              <a:buFont typeface="Arial" panose="020B0604020202020204" pitchFamily="34" charset="0"/>
+              <a:buChar char="•"/>
+              <a:defRPr sz="1800" kern="1200">
+                <a:solidFill>
+                  <a:schemeClr val="tx1"/>
+                </a:solidFill>
+                <a:latin typeface="+mn-lt"/>
+                <a:ea typeface="+mn-ea"/>
+                <a:cs typeface="+mn-cs"/>
+              </a:defRPr>
+            </a:lvl5pPr>
+            <a:lvl6pPr marL="2514600" indent="-228600" algn="l" defTabSz="914400" rtl="0" eaLnBrk="1" latinLnBrk="0" hangingPunct="1">
+              <a:lnSpc>
+                <a:spcPct val="90000"/>
+              </a:lnSpc>
+              <a:spcBef>
+                <a:spcPts val="500"/>
+              </a:spcBef>
+              <a:buFont typeface="Arial" panose="020B0604020202020204" pitchFamily="34" charset="0"/>
+              <a:buChar char="•"/>
+              <a:defRPr sz="1800" kern="1200">
+                <a:solidFill>
+                  <a:schemeClr val="tx1"/>
+                </a:solidFill>
+                <a:latin typeface="+mn-lt"/>
+                <a:ea typeface="+mn-ea"/>
+                <a:cs typeface="+mn-cs"/>
+              </a:defRPr>
+            </a:lvl6pPr>
+            <a:lvl7pPr marL="2971800" indent="-228600" algn="l" defTabSz="914400" rtl="0" eaLnBrk="1" latinLnBrk="0" hangingPunct="1">
+              <a:lnSpc>
+                <a:spcPct val="90000"/>
+              </a:lnSpc>
+              <a:spcBef>
+                <a:spcPts val="500"/>
+              </a:spcBef>
+              <a:buFont typeface="Arial" panose="020B0604020202020204" pitchFamily="34" charset="0"/>
+              <a:buChar char="•"/>
+              <a:defRPr sz="1800" kern="1200">
+                <a:solidFill>
+                  <a:schemeClr val="tx1"/>
+                </a:solidFill>
+                <a:latin typeface="+mn-lt"/>
+                <a:ea typeface="+mn-ea"/>
+                <a:cs typeface="+mn-cs"/>
+              </a:defRPr>
+            </a:lvl7pPr>
+            <a:lvl8pPr marL="3429000" indent="-228600" algn="l" defTabSz="914400" rtl="0" eaLnBrk="1" latinLnBrk="0" hangingPunct="1">
+              <a:lnSpc>
+                <a:spcPct val="90000"/>
+              </a:lnSpc>
+              <a:spcBef>
+                <a:spcPts val="500"/>
+              </a:spcBef>
+              <a:buFont typeface="Arial" panose="020B0604020202020204" pitchFamily="34" charset="0"/>
+              <a:buChar char="•"/>
+              <a:defRPr sz="1800" kern="1200">
+                <a:solidFill>
+                  <a:schemeClr val="tx1"/>
+                </a:solidFill>
+                <a:latin typeface="+mn-lt"/>
+                <a:ea typeface="+mn-ea"/>
+                <a:cs typeface="+mn-cs"/>
+              </a:defRPr>
+            </a:lvl8pPr>
+            <a:lvl9pPr marL="3886200" indent="-228600" algn="l" defTabSz="914400" rtl="0" eaLnBrk="1" latinLnBrk="0" hangingPunct="1">
+              <a:lnSpc>
+                <a:spcPct val="90000"/>
+              </a:lnSpc>
+              <a:spcBef>
+                <a:spcPts val="500"/>
+              </a:spcBef>
+              <a:buFont typeface="Arial" panose="020B0604020202020204" pitchFamily="34" charset="0"/>
+              <a:buChar char="•"/>
+              <a:defRPr sz="1800" kern="1200">
+                <a:solidFill>
+                  <a:schemeClr val="tx1"/>
+                </a:solidFill>
+                <a:latin typeface="+mn-lt"/>
+                <a:ea typeface="+mn-ea"/>
+                <a:cs typeface="+mn-cs"/>
+              </a:defRPr>
+            </a:lvl9pPr>
+          </a:lstStyle>
+          <a:p>
+            <a:pPr marL="285750" indent="-285750"/>
             <a:endParaRPr lang="en-US" sz="2000" dirty="0"/>
           </a:p>
           <a:p>
-            <a:pPr marL="285750" indent="-285750">
-              <a:buFont typeface="Arial" panose="020B0604020202020204" pitchFamily="34" charset="0"/>
-              <a:buChar char="•"/>
-            </a:pPr>
+            <a:pPr marL="285750" indent="-285750"/>
             <a:endParaRPr lang="en-US" sz="2000" dirty="0"/>
           </a:p>
         </p:txBody>
@@ -3059,7 +3234,7 @@
     </p:spTree>
     <p:extLst>
       <p:ext uri="{BB962C8B-B14F-4D97-AF65-F5344CB8AC3E}">
-        <p14:creationId xmlns:p14="http://schemas.microsoft.com/office/powerpoint/2010/main" val="2136454153"/>
+        <p14:creationId xmlns:p14="http://schemas.microsoft.com/office/powerpoint/2010/main" val="398935042"/>
       </p:ext>
     </p:extLst>
   </p:cSld>
@@ -3088,13 +3263,11 @@
       </p:grpSpPr>
       <p:pic>
         <p:nvPicPr>
-          <p:cNvPr id="9" name="Content Placeholder 8"/>
+          <p:cNvPr id="3" name="Picture 2"/>
           <p:cNvPicPr>
-            <a:picLocks noGrp="1" noChangeAspect="1"/>
+            <a:picLocks noChangeAspect="1"/>
           </p:cNvPicPr>
-          <p:nvPr>
-            <p:ph idx="1"/>
-          </p:nvPr>
+          <p:nvPr/>
         </p:nvPicPr>
         <p:blipFill>
           <a:blip r:embed="rId2">
@@ -3110,104 +3283,276 @@
         </p:blipFill>
         <p:spPr>
           <a:xfrm>
-            <a:off x="-504" y="-10281"/>
-            <a:ext cx="15073864" cy="6868281"/>
+            <a:off x="1" y="425692"/>
+            <a:ext cx="12191998" cy="6006615"/>
           </a:xfrm>
+          <a:prstGeom prst="rect">
+            <a:avLst/>
+          </a:prstGeom>
         </p:spPr>
       </p:pic>
       <p:sp>
         <p:nvSpPr>
-          <p:cNvPr id="7" name="Title 1"/>
-          <p:cNvSpPr>
-            <a:spLocks noGrp="1"/>
-          </p:cNvSpPr>
-          <p:nvPr>
-            <p:ph type="title"/>
-          </p:nvPr>
+          <p:cNvPr id="4" name="Title 1"/>
+          <p:cNvSpPr txBox="1">
+            <a:spLocks/>
+          </p:cNvSpPr>
+          <p:nvPr/>
         </p:nvSpPr>
         <p:spPr>
           <a:xfrm>
-            <a:off x="839788" y="457200"/>
-            <a:ext cx="3932237" cy="1600200"/>
+            <a:off x="558435" y="425692"/>
+            <a:ext cx="5054575" cy="737036"/>
           </a:xfrm>
+          <a:prstGeom prst="rect">
+            <a:avLst/>
+          </a:prstGeom>
         </p:spPr>
         <p:txBody>
           <a:bodyPr/>
-          <a:lstStyle/>
+          <a:lstStyle>
+            <a:lvl1pPr algn="l" defTabSz="914400" rtl="0" eaLnBrk="1" latinLnBrk="0" hangingPunct="1">
+              <a:lnSpc>
+                <a:spcPct val="90000"/>
+              </a:lnSpc>
+              <a:spcBef>
+                <a:spcPct val="0"/>
+              </a:spcBef>
+              <a:buNone/>
+              <a:defRPr sz="4400" kern="1200">
+                <a:solidFill>
+                  <a:schemeClr val="tx1"/>
+                </a:solidFill>
+                <a:latin typeface="+mj-lt"/>
+                <a:ea typeface="+mj-ea"/>
+                <a:cs typeface="+mj-cs"/>
+              </a:defRPr>
+            </a:lvl1pPr>
+          </a:lstStyle>
           <a:p>
             <a:r>
               <a:rPr lang="en-US" dirty="0"/>
               <a:t>Connect to Dewar</a:t>
             </a:r>
-          </a:p>
-        </p:txBody>
-      </p:sp>
-      <p:sp>
-        <p:nvSpPr>
-          <p:cNvPr id="8" name="Text Placeholder 3"/>
-          <p:cNvSpPr>
-            <a:spLocks noGrp="1"/>
-          </p:cNvSpPr>
-          <p:nvPr>
-            <p:ph type="body" sz="half" idx="2"/>
-          </p:nvPr>
+            <a:endParaRPr lang="en-US" dirty="0"/>
+          </a:p>
+        </p:txBody>
+      </p:sp>
+      <p:sp>
+        <p:nvSpPr>
+          <p:cNvPr id="5" name="Text Placeholder 3"/>
+          <p:cNvSpPr txBox="1">
+            <a:spLocks/>
+          </p:cNvSpPr>
+          <p:nvPr/>
         </p:nvSpPr>
         <p:spPr>
           <a:xfrm>
-            <a:off x="839789" y="2057400"/>
-            <a:ext cx="2986624" cy="3811588"/>
+            <a:off x="85032" y="1162728"/>
+            <a:ext cx="2615966" cy="5269580"/>
           </a:xfrm>
+          <a:prstGeom prst="rect">
+            <a:avLst/>
+          </a:prstGeom>
         </p:spPr>
         <p:txBody>
           <a:bodyPr>
             <a:normAutofit/>
           </a:bodyPr>
-          <a:lstStyle/>
-          <a:p>
-            <a:pPr marL="285750" indent="-285750">
-              <a:buFont typeface="Arial" panose="020B0604020202020204" pitchFamily="34" charset="0"/>
-              <a:buChar char="•"/>
-            </a:pPr>
+          <a:lstStyle>
+            <a:lvl1pPr marL="228600" indent="-228600" algn="l" defTabSz="914400" rtl="0" eaLnBrk="1" latinLnBrk="0" hangingPunct="1">
+              <a:lnSpc>
+                <a:spcPct val="90000"/>
+              </a:lnSpc>
+              <a:spcBef>
+                <a:spcPts val="1000"/>
+              </a:spcBef>
+              <a:buFont typeface="Arial" panose="020B0604020202020204" pitchFamily="34" charset="0"/>
+              <a:buChar char="•"/>
+              <a:defRPr sz="2800" kern="1200">
+                <a:solidFill>
+                  <a:schemeClr val="tx1"/>
+                </a:solidFill>
+                <a:latin typeface="+mn-lt"/>
+                <a:ea typeface="+mn-ea"/>
+                <a:cs typeface="+mn-cs"/>
+              </a:defRPr>
+            </a:lvl1pPr>
+            <a:lvl2pPr marL="685800" indent="-228600" algn="l" defTabSz="914400" rtl="0" eaLnBrk="1" latinLnBrk="0" hangingPunct="1">
+              <a:lnSpc>
+                <a:spcPct val="90000"/>
+              </a:lnSpc>
+              <a:spcBef>
+                <a:spcPts val="500"/>
+              </a:spcBef>
+              <a:buFont typeface="Arial" panose="020B0604020202020204" pitchFamily="34" charset="0"/>
+              <a:buChar char="•"/>
+              <a:defRPr sz="2400" kern="1200">
+                <a:solidFill>
+                  <a:schemeClr val="tx1"/>
+                </a:solidFill>
+                <a:latin typeface="+mn-lt"/>
+                <a:ea typeface="+mn-ea"/>
+                <a:cs typeface="+mn-cs"/>
+              </a:defRPr>
+            </a:lvl2pPr>
+            <a:lvl3pPr marL="1143000" indent="-228600" algn="l" defTabSz="914400" rtl="0" eaLnBrk="1" latinLnBrk="0" hangingPunct="1">
+              <a:lnSpc>
+                <a:spcPct val="90000"/>
+              </a:lnSpc>
+              <a:spcBef>
+                <a:spcPts val="500"/>
+              </a:spcBef>
+              <a:buFont typeface="Arial" panose="020B0604020202020204" pitchFamily="34" charset="0"/>
+              <a:buChar char="•"/>
+              <a:defRPr sz="2000" kern="1200">
+                <a:solidFill>
+                  <a:schemeClr val="tx1"/>
+                </a:solidFill>
+                <a:latin typeface="+mn-lt"/>
+                <a:ea typeface="+mn-ea"/>
+                <a:cs typeface="+mn-cs"/>
+              </a:defRPr>
+            </a:lvl3pPr>
+            <a:lvl4pPr marL="1600200" indent="-228600" algn="l" defTabSz="914400" rtl="0" eaLnBrk="1" latinLnBrk="0" hangingPunct="1">
+              <a:lnSpc>
+                <a:spcPct val="90000"/>
+              </a:lnSpc>
+              <a:spcBef>
+                <a:spcPts val="500"/>
+              </a:spcBef>
+              <a:buFont typeface="Arial" panose="020B0604020202020204" pitchFamily="34" charset="0"/>
+              <a:buChar char="•"/>
+              <a:defRPr sz="1800" kern="1200">
+                <a:solidFill>
+                  <a:schemeClr val="tx1"/>
+                </a:solidFill>
+                <a:latin typeface="+mn-lt"/>
+                <a:ea typeface="+mn-ea"/>
+                <a:cs typeface="+mn-cs"/>
+              </a:defRPr>
+            </a:lvl4pPr>
+            <a:lvl5pPr marL="2057400" indent="-228600" algn="l" defTabSz="914400" rtl="0" eaLnBrk="1" latinLnBrk="0" hangingPunct="1">
+              <a:lnSpc>
+                <a:spcPct val="90000"/>
+              </a:lnSpc>
+              <a:spcBef>
+                <a:spcPts val="500"/>
+              </a:spcBef>
+              <a:buFont typeface="Arial" panose="020B0604020202020204" pitchFamily="34" charset="0"/>
+              <a:buChar char="•"/>
+              <a:defRPr sz="1800" kern="1200">
+                <a:solidFill>
+                  <a:schemeClr val="tx1"/>
+                </a:solidFill>
+                <a:latin typeface="+mn-lt"/>
+                <a:ea typeface="+mn-ea"/>
+                <a:cs typeface="+mn-cs"/>
+              </a:defRPr>
+            </a:lvl5pPr>
+            <a:lvl6pPr marL="2514600" indent="-228600" algn="l" defTabSz="914400" rtl="0" eaLnBrk="1" latinLnBrk="0" hangingPunct="1">
+              <a:lnSpc>
+                <a:spcPct val="90000"/>
+              </a:lnSpc>
+              <a:spcBef>
+                <a:spcPts val="500"/>
+              </a:spcBef>
+              <a:buFont typeface="Arial" panose="020B0604020202020204" pitchFamily="34" charset="0"/>
+              <a:buChar char="•"/>
+              <a:defRPr sz="1800" kern="1200">
+                <a:solidFill>
+                  <a:schemeClr val="tx1"/>
+                </a:solidFill>
+                <a:latin typeface="+mn-lt"/>
+                <a:ea typeface="+mn-ea"/>
+                <a:cs typeface="+mn-cs"/>
+              </a:defRPr>
+            </a:lvl6pPr>
+            <a:lvl7pPr marL="2971800" indent="-228600" algn="l" defTabSz="914400" rtl="0" eaLnBrk="1" latinLnBrk="0" hangingPunct="1">
+              <a:lnSpc>
+                <a:spcPct val="90000"/>
+              </a:lnSpc>
+              <a:spcBef>
+                <a:spcPts val="500"/>
+              </a:spcBef>
+              <a:buFont typeface="Arial" panose="020B0604020202020204" pitchFamily="34" charset="0"/>
+              <a:buChar char="•"/>
+              <a:defRPr sz="1800" kern="1200">
+                <a:solidFill>
+                  <a:schemeClr val="tx1"/>
+                </a:solidFill>
+                <a:latin typeface="+mn-lt"/>
+                <a:ea typeface="+mn-ea"/>
+                <a:cs typeface="+mn-cs"/>
+              </a:defRPr>
+            </a:lvl7pPr>
+            <a:lvl8pPr marL="3429000" indent="-228600" algn="l" defTabSz="914400" rtl="0" eaLnBrk="1" latinLnBrk="0" hangingPunct="1">
+              <a:lnSpc>
+                <a:spcPct val="90000"/>
+              </a:lnSpc>
+              <a:spcBef>
+                <a:spcPts val="500"/>
+              </a:spcBef>
+              <a:buFont typeface="Arial" panose="020B0604020202020204" pitchFamily="34" charset="0"/>
+              <a:buChar char="•"/>
+              <a:defRPr sz="1800" kern="1200">
+                <a:solidFill>
+                  <a:schemeClr val="tx1"/>
+                </a:solidFill>
+                <a:latin typeface="+mn-lt"/>
+                <a:ea typeface="+mn-ea"/>
+                <a:cs typeface="+mn-cs"/>
+              </a:defRPr>
+            </a:lvl8pPr>
+            <a:lvl9pPr marL="3886200" indent="-228600" algn="l" defTabSz="914400" rtl="0" eaLnBrk="1" latinLnBrk="0" hangingPunct="1">
+              <a:lnSpc>
+                <a:spcPct val="90000"/>
+              </a:lnSpc>
+              <a:spcBef>
+                <a:spcPts val="500"/>
+              </a:spcBef>
+              <a:buFont typeface="Arial" panose="020B0604020202020204" pitchFamily="34" charset="0"/>
+              <a:buChar char="•"/>
+              <a:defRPr sz="1800" kern="1200">
+                <a:solidFill>
+                  <a:schemeClr val="tx1"/>
+                </a:solidFill>
+                <a:latin typeface="+mn-lt"/>
+                <a:ea typeface="+mn-ea"/>
+                <a:cs typeface="+mn-cs"/>
+              </a:defRPr>
+            </a:lvl9pPr>
+          </a:lstStyle>
+          <a:p>
+            <a:pPr marL="285750" indent="-285750"/>
             <a:r>
               <a:rPr lang="en-US" sz="2000" dirty="0"/>
               <a:t>4 screws, 1 in each corner</a:t>
             </a:r>
           </a:p>
           <a:p>
-            <a:pPr marL="285750" indent="-285750">
-              <a:buFont typeface="Arial" panose="020B0604020202020204" pitchFamily="34" charset="0"/>
-              <a:buChar char="•"/>
-            </a:pPr>
+            <a:pPr marL="285750" indent="-285750"/>
             <a:r>
               <a:rPr lang="en-US" sz="2000" dirty="0"/>
               <a:t>Untapped holes through lid and base</a:t>
             </a:r>
           </a:p>
           <a:p>
-            <a:pPr marL="285750" indent="-285750">
-              <a:buFont typeface="Arial" panose="020B0604020202020204" pitchFamily="34" charset="0"/>
-              <a:buChar char="•"/>
-            </a:pPr>
+            <a:pPr marL="285750" indent="-285750"/>
             <a:r>
               <a:rPr lang="en-US" sz="2000" dirty="0"/>
               <a:t>Dewar 4K plate has tapped holes</a:t>
             </a:r>
           </a:p>
           <a:p>
-            <a:pPr marL="285750" indent="-285750">
-              <a:buFont typeface="Arial" panose="020B0604020202020204" pitchFamily="34" charset="0"/>
-              <a:buChar char="•"/>
-            </a:pPr>
+            <a:pPr marL="285750" indent="-285750"/>
             <a:r>
               <a:rPr lang="en-US" sz="2000" dirty="0"/>
               <a:t>Screws are 5x10”</a:t>
             </a:r>
           </a:p>
           <a:p>
-            <a:pPr marL="285750" indent="-285750">
-              <a:buFont typeface="Arial" panose="020B0604020202020204" pitchFamily="34" charset="0"/>
-              <a:buChar char="•"/>
-            </a:pPr>
+            <a:pPr marL="285750" indent="-285750"/>
             <a:endParaRPr lang="en-US" sz="2000" dirty="0"/>
           </a:p>
         </p:txBody>
@@ -3215,7 +3560,7 @@
     </p:spTree>
     <p:extLst>
       <p:ext uri="{BB962C8B-B14F-4D97-AF65-F5344CB8AC3E}">
-        <p14:creationId xmlns:p14="http://schemas.microsoft.com/office/powerpoint/2010/main" val="247708128"/>
+        <p14:creationId xmlns:p14="http://schemas.microsoft.com/office/powerpoint/2010/main" val="991879065"/>
       </p:ext>
     </p:extLst>
   </p:cSld>
@@ -3244,13 +3589,11 @@
       </p:grpSpPr>
       <p:pic>
         <p:nvPicPr>
-          <p:cNvPr id="9" name="Content Placeholder 8"/>
+          <p:cNvPr id="3" name="Picture 2"/>
           <p:cNvPicPr>
-            <a:picLocks noGrp="1" noChangeAspect="1"/>
+            <a:picLocks noChangeAspect="1"/>
           </p:cNvPicPr>
-          <p:nvPr>
-            <p:ph idx="1"/>
-          </p:nvPr>
+          <p:nvPr/>
         </p:nvPicPr>
         <p:blipFill>
           <a:blip r:embed="rId2">
@@ -3266,69 +3609,257 @@
         </p:blipFill>
         <p:spPr>
           <a:xfrm>
-            <a:off x="-504" y="-10281"/>
-            <a:ext cx="15073864" cy="6868281"/>
+            <a:off x="0" y="425692"/>
+            <a:ext cx="12192000" cy="6006615"/>
           </a:xfrm>
+          <a:prstGeom prst="rect">
+            <a:avLst/>
+          </a:prstGeom>
         </p:spPr>
       </p:pic>
       <p:sp>
         <p:nvSpPr>
-          <p:cNvPr id="2" name="Title 1"/>
-          <p:cNvSpPr>
-            <a:spLocks noGrp="1"/>
-          </p:cNvSpPr>
-          <p:nvPr>
-            <p:ph type="title"/>
-          </p:nvPr>
-        </p:nvSpPr>
-        <p:spPr/>
+          <p:cNvPr id="4" name="Title 1"/>
+          <p:cNvSpPr txBox="1">
+            <a:spLocks/>
+          </p:cNvSpPr>
+          <p:nvPr/>
+        </p:nvSpPr>
+        <p:spPr>
+          <a:xfrm>
+            <a:off x="558435" y="425692"/>
+            <a:ext cx="5054575" cy="737036"/>
+          </a:xfrm>
+          <a:prstGeom prst="rect">
+            <a:avLst/>
+          </a:prstGeom>
+        </p:spPr>
         <p:txBody>
           <a:bodyPr/>
-          <a:lstStyle/>
+          <a:lstStyle>
+            <a:lvl1pPr algn="l" defTabSz="914400" rtl="0" eaLnBrk="1" latinLnBrk="0" hangingPunct="1">
+              <a:lnSpc>
+                <a:spcPct val="90000"/>
+              </a:lnSpc>
+              <a:spcBef>
+                <a:spcPct val="0"/>
+              </a:spcBef>
+              <a:buNone/>
+              <a:defRPr sz="4400" kern="1200">
+                <a:solidFill>
+                  <a:schemeClr val="tx1"/>
+                </a:solidFill>
+                <a:latin typeface="+mj-lt"/>
+                <a:ea typeface="+mj-ea"/>
+                <a:cs typeface="+mj-cs"/>
+              </a:defRPr>
+            </a:lvl1pPr>
+          </a:lstStyle>
           <a:p>
             <a:r>
               <a:rPr lang="en-US" dirty="0"/>
               <a:t>Add Motherboard</a:t>
             </a:r>
           </a:p>
-        </p:txBody>
-      </p:sp>
-      <p:sp>
-        <p:nvSpPr>
-          <p:cNvPr id="4" name="Text Placeholder 3"/>
-          <p:cNvSpPr>
-            <a:spLocks noGrp="1"/>
-          </p:cNvSpPr>
-          <p:nvPr>
-            <p:ph type="body" sz="half" idx="2"/>
-          </p:nvPr>
+          <a:p>
+            <a:endParaRPr lang="en-US" dirty="0"/>
+          </a:p>
+        </p:txBody>
+      </p:sp>
+      <p:sp>
+        <p:nvSpPr>
+          <p:cNvPr id="5" name="Text Placeholder 3"/>
+          <p:cNvSpPr txBox="1">
+            <a:spLocks/>
+          </p:cNvSpPr>
+          <p:nvPr/>
         </p:nvSpPr>
         <p:spPr>
           <a:xfrm>
-            <a:off x="839789" y="2057400"/>
-            <a:ext cx="3000692" cy="3811588"/>
+            <a:off x="85032" y="1162728"/>
+            <a:ext cx="2615966" cy="5269580"/>
           </a:xfrm>
+          <a:prstGeom prst="rect">
+            <a:avLst/>
+          </a:prstGeom>
         </p:spPr>
         <p:txBody>
           <a:bodyPr>
             <a:normAutofit/>
           </a:bodyPr>
-          <a:lstStyle/>
-          <a:p>
-            <a:pPr marL="285750" indent="-285750">
-              <a:buFont typeface="Arial" panose="020B0604020202020204" pitchFamily="34" charset="0"/>
-              <a:buChar char="•"/>
-            </a:pPr>
+          <a:lstStyle>
+            <a:lvl1pPr marL="228600" indent="-228600" algn="l" defTabSz="914400" rtl="0" eaLnBrk="1" latinLnBrk="0" hangingPunct="1">
+              <a:lnSpc>
+                <a:spcPct val="90000"/>
+              </a:lnSpc>
+              <a:spcBef>
+                <a:spcPts val="1000"/>
+              </a:spcBef>
+              <a:buFont typeface="Arial" panose="020B0604020202020204" pitchFamily="34" charset="0"/>
+              <a:buChar char="•"/>
+              <a:defRPr sz="2800" kern="1200">
+                <a:solidFill>
+                  <a:schemeClr val="tx1"/>
+                </a:solidFill>
+                <a:latin typeface="+mn-lt"/>
+                <a:ea typeface="+mn-ea"/>
+                <a:cs typeface="+mn-cs"/>
+              </a:defRPr>
+            </a:lvl1pPr>
+            <a:lvl2pPr marL="685800" indent="-228600" algn="l" defTabSz="914400" rtl="0" eaLnBrk="1" latinLnBrk="0" hangingPunct="1">
+              <a:lnSpc>
+                <a:spcPct val="90000"/>
+              </a:lnSpc>
+              <a:spcBef>
+                <a:spcPts val="500"/>
+              </a:spcBef>
+              <a:buFont typeface="Arial" panose="020B0604020202020204" pitchFamily="34" charset="0"/>
+              <a:buChar char="•"/>
+              <a:defRPr sz="2400" kern="1200">
+                <a:solidFill>
+                  <a:schemeClr val="tx1"/>
+                </a:solidFill>
+                <a:latin typeface="+mn-lt"/>
+                <a:ea typeface="+mn-ea"/>
+                <a:cs typeface="+mn-cs"/>
+              </a:defRPr>
+            </a:lvl2pPr>
+            <a:lvl3pPr marL="1143000" indent="-228600" algn="l" defTabSz="914400" rtl="0" eaLnBrk="1" latinLnBrk="0" hangingPunct="1">
+              <a:lnSpc>
+                <a:spcPct val="90000"/>
+              </a:lnSpc>
+              <a:spcBef>
+                <a:spcPts val="500"/>
+              </a:spcBef>
+              <a:buFont typeface="Arial" panose="020B0604020202020204" pitchFamily="34" charset="0"/>
+              <a:buChar char="•"/>
+              <a:defRPr sz="2000" kern="1200">
+                <a:solidFill>
+                  <a:schemeClr val="tx1"/>
+                </a:solidFill>
+                <a:latin typeface="+mn-lt"/>
+                <a:ea typeface="+mn-ea"/>
+                <a:cs typeface="+mn-cs"/>
+              </a:defRPr>
+            </a:lvl3pPr>
+            <a:lvl4pPr marL="1600200" indent="-228600" algn="l" defTabSz="914400" rtl="0" eaLnBrk="1" latinLnBrk="0" hangingPunct="1">
+              <a:lnSpc>
+                <a:spcPct val="90000"/>
+              </a:lnSpc>
+              <a:spcBef>
+                <a:spcPts val="500"/>
+              </a:spcBef>
+              <a:buFont typeface="Arial" panose="020B0604020202020204" pitchFamily="34" charset="0"/>
+              <a:buChar char="•"/>
+              <a:defRPr sz="1800" kern="1200">
+                <a:solidFill>
+                  <a:schemeClr val="tx1"/>
+                </a:solidFill>
+                <a:latin typeface="+mn-lt"/>
+                <a:ea typeface="+mn-ea"/>
+                <a:cs typeface="+mn-cs"/>
+              </a:defRPr>
+            </a:lvl4pPr>
+            <a:lvl5pPr marL="2057400" indent="-228600" algn="l" defTabSz="914400" rtl="0" eaLnBrk="1" latinLnBrk="0" hangingPunct="1">
+              <a:lnSpc>
+                <a:spcPct val="90000"/>
+              </a:lnSpc>
+              <a:spcBef>
+                <a:spcPts val="500"/>
+              </a:spcBef>
+              <a:buFont typeface="Arial" panose="020B0604020202020204" pitchFamily="34" charset="0"/>
+              <a:buChar char="•"/>
+              <a:defRPr sz="1800" kern="1200">
+                <a:solidFill>
+                  <a:schemeClr val="tx1"/>
+                </a:solidFill>
+                <a:latin typeface="+mn-lt"/>
+                <a:ea typeface="+mn-ea"/>
+                <a:cs typeface="+mn-cs"/>
+              </a:defRPr>
+            </a:lvl5pPr>
+            <a:lvl6pPr marL="2514600" indent="-228600" algn="l" defTabSz="914400" rtl="0" eaLnBrk="1" latinLnBrk="0" hangingPunct="1">
+              <a:lnSpc>
+                <a:spcPct val="90000"/>
+              </a:lnSpc>
+              <a:spcBef>
+                <a:spcPts val="500"/>
+              </a:spcBef>
+              <a:buFont typeface="Arial" panose="020B0604020202020204" pitchFamily="34" charset="0"/>
+              <a:buChar char="•"/>
+              <a:defRPr sz="1800" kern="1200">
+                <a:solidFill>
+                  <a:schemeClr val="tx1"/>
+                </a:solidFill>
+                <a:latin typeface="+mn-lt"/>
+                <a:ea typeface="+mn-ea"/>
+                <a:cs typeface="+mn-cs"/>
+              </a:defRPr>
+            </a:lvl6pPr>
+            <a:lvl7pPr marL="2971800" indent="-228600" algn="l" defTabSz="914400" rtl="0" eaLnBrk="1" latinLnBrk="0" hangingPunct="1">
+              <a:lnSpc>
+                <a:spcPct val="90000"/>
+              </a:lnSpc>
+              <a:spcBef>
+                <a:spcPts val="500"/>
+              </a:spcBef>
+              <a:buFont typeface="Arial" panose="020B0604020202020204" pitchFamily="34" charset="0"/>
+              <a:buChar char="•"/>
+              <a:defRPr sz="1800" kern="1200">
+                <a:solidFill>
+                  <a:schemeClr val="tx1"/>
+                </a:solidFill>
+                <a:latin typeface="+mn-lt"/>
+                <a:ea typeface="+mn-ea"/>
+                <a:cs typeface="+mn-cs"/>
+              </a:defRPr>
+            </a:lvl7pPr>
+            <a:lvl8pPr marL="3429000" indent="-228600" algn="l" defTabSz="914400" rtl="0" eaLnBrk="1" latinLnBrk="0" hangingPunct="1">
+              <a:lnSpc>
+                <a:spcPct val="90000"/>
+              </a:lnSpc>
+              <a:spcBef>
+                <a:spcPts val="500"/>
+              </a:spcBef>
+              <a:buFont typeface="Arial" panose="020B0604020202020204" pitchFamily="34" charset="0"/>
+              <a:buChar char="•"/>
+              <a:defRPr sz="1800" kern="1200">
+                <a:solidFill>
+                  <a:schemeClr val="tx1"/>
+                </a:solidFill>
+                <a:latin typeface="+mn-lt"/>
+                <a:ea typeface="+mn-ea"/>
+                <a:cs typeface="+mn-cs"/>
+              </a:defRPr>
+            </a:lvl8pPr>
+            <a:lvl9pPr marL="3886200" indent="-228600" algn="l" defTabSz="914400" rtl="0" eaLnBrk="1" latinLnBrk="0" hangingPunct="1">
+              <a:lnSpc>
+                <a:spcPct val="90000"/>
+              </a:lnSpc>
+              <a:spcBef>
+                <a:spcPts val="500"/>
+              </a:spcBef>
+              <a:buFont typeface="Arial" panose="020B0604020202020204" pitchFamily="34" charset="0"/>
+              <a:buChar char="•"/>
+              <a:defRPr sz="1800" kern="1200">
+                <a:solidFill>
+                  <a:schemeClr val="tx1"/>
+                </a:solidFill>
+                <a:latin typeface="+mn-lt"/>
+                <a:ea typeface="+mn-ea"/>
+                <a:cs typeface="+mn-cs"/>
+              </a:defRPr>
+            </a:lvl9pPr>
+          </a:lstStyle>
+          <a:p>
+            <a:pPr marL="285750" indent="-285750"/>
             <a:r>
               <a:rPr lang="en-US" sz="2000" dirty="0"/>
               <a:t>Sits on the base’s shelf</a:t>
             </a:r>
           </a:p>
           <a:p>
-            <a:pPr marL="285750" indent="-285750">
-              <a:buFont typeface="Arial" panose="020B0604020202020204" pitchFamily="34" charset="0"/>
-              <a:buChar char="•"/>
-            </a:pPr>
+            <a:pPr marL="285750" indent="-285750"/>
             <a:endParaRPr lang="en-US" sz="2000" dirty="0"/>
           </a:p>
         </p:txBody>
@@ -3336,7 +3867,7 @@
     </p:spTree>
     <p:extLst>
       <p:ext uri="{BB962C8B-B14F-4D97-AF65-F5344CB8AC3E}">
-        <p14:creationId xmlns:p14="http://schemas.microsoft.com/office/powerpoint/2010/main" val="3057873439"/>
+        <p14:creationId xmlns:p14="http://schemas.microsoft.com/office/powerpoint/2010/main" val="975332184"/>
       </p:ext>
     </p:extLst>
   </p:cSld>
@@ -3365,13 +3896,11 @@
       </p:grpSpPr>
       <p:pic>
         <p:nvPicPr>
-          <p:cNvPr id="9" name="Content Placeholder 8"/>
+          <p:cNvPr id="3" name="Picture 2"/>
           <p:cNvPicPr>
-            <a:picLocks noGrp="1" noChangeAspect="1"/>
+            <a:picLocks noChangeAspect="1"/>
           </p:cNvPicPr>
-          <p:nvPr>
-            <p:ph idx="1"/>
-          </p:nvPr>
+          <p:nvPr/>
         </p:nvPicPr>
         <p:blipFill>
           <a:blip r:embed="rId2">
@@ -3387,90 +3916,275 @@
         </p:blipFill>
         <p:spPr>
           <a:xfrm>
-            <a:off x="-504" y="-10281"/>
-            <a:ext cx="15073864" cy="6868281"/>
+            <a:off x="1" y="425692"/>
+            <a:ext cx="12191998" cy="6006615"/>
           </a:xfrm>
+          <a:prstGeom prst="rect">
+            <a:avLst/>
+          </a:prstGeom>
         </p:spPr>
       </p:pic>
       <p:sp>
         <p:nvSpPr>
-          <p:cNvPr id="2" name="Title 1"/>
-          <p:cNvSpPr>
-            <a:spLocks noGrp="1"/>
-          </p:cNvSpPr>
-          <p:nvPr>
-            <p:ph type="title"/>
-          </p:nvPr>
-        </p:nvSpPr>
-        <p:spPr/>
+          <p:cNvPr id="4" name="Title 1"/>
+          <p:cNvSpPr txBox="1">
+            <a:spLocks/>
+          </p:cNvSpPr>
+          <p:nvPr/>
+        </p:nvSpPr>
+        <p:spPr>
+          <a:xfrm>
+            <a:off x="558435" y="425692"/>
+            <a:ext cx="5054575" cy="737036"/>
+          </a:xfrm>
+          <a:prstGeom prst="rect">
+            <a:avLst/>
+          </a:prstGeom>
+        </p:spPr>
         <p:txBody>
           <a:bodyPr/>
-          <a:lstStyle/>
+          <a:lstStyle>
+            <a:lvl1pPr algn="l" defTabSz="914400" rtl="0" eaLnBrk="1" latinLnBrk="0" hangingPunct="1">
+              <a:lnSpc>
+                <a:spcPct val="90000"/>
+              </a:lnSpc>
+              <a:spcBef>
+                <a:spcPct val="0"/>
+              </a:spcBef>
+              <a:buNone/>
+              <a:defRPr sz="4400" kern="1200">
+                <a:solidFill>
+                  <a:schemeClr val="tx1"/>
+                </a:solidFill>
+                <a:latin typeface="+mj-lt"/>
+                <a:ea typeface="+mj-ea"/>
+                <a:cs typeface="+mj-cs"/>
+              </a:defRPr>
+            </a:lvl1pPr>
+          </a:lstStyle>
           <a:p>
             <a:r>
               <a:rPr lang="en-US" dirty="0"/>
               <a:t>Add Motherboard</a:t>
             </a:r>
           </a:p>
-        </p:txBody>
-      </p:sp>
-      <p:sp>
-        <p:nvSpPr>
-          <p:cNvPr id="4" name="Text Placeholder 3"/>
-          <p:cNvSpPr>
-            <a:spLocks noGrp="1"/>
-          </p:cNvSpPr>
-          <p:nvPr>
-            <p:ph type="body" sz="half" idx="2"/>
-          </p:nvPr>
+          <a:p>
+            <a:endParaRPr lang="en-US" dirty="0"/>
+          </a:p>
+        </p:txBody>
+      </p:sp>
+      <p:sp>
+        <p:nvSpPr>
+          <p:cNvPr id="5" name="Text Placeholder 3"/>
+          <p:cNvSpPr txBox="1">
+            <a:spLocks/>
+          </p:cNvSpPr>
+          <p:nvPr/>
         </p:nvSpPr>
         <p:spPr>
           <a:xfrm>
-            <a:off x="839789" y="2057400"/>
-            <a:ext cx="3000691" cy="3811588"/>
+            <a:off x="85032" y="1162728"/>
+            <a:ext cx="2615966" cy="5269580"/>
           </a:xfrm>
+          <a:prstGeom prst="rect">
+            <a:avLst/>
+          </a:prstGeom>
         </p:spPr>
         <p:txBody>
           <a:bodyPr>
             <a:normAutofit/>
           </a:bodyPr>
-          <a:lstStyle/>
-          <a:p>
-            <a:pPr marL="285750" indent="-285750">
-              <a:buFont typeface="Arial" panose="020B0604020202020204" pitchFamily="34" charset="0"/>
-              <a:buChar char="•"/>
-            </a:pPr>
+          <a:lstStyle>
+            <a:lvl1pPr marL="228600" indent="-228600" algn="l" defTabSz="914400" rtl="0" eaLnBrk="1" latinLnBrk="0" hangingPunct="1">
+              <a:lnSpc>
+                <a:spcPct val="90000"/>
+              </a:lnSpc>
+              <a:spcBef>
+                <a:spcPts val="1000"/>
+              </a:spcBef>
+              <a:buFont typeface="Arial" panose="020B0604020202020204" pitchFamily="34" charset="0"/>
+              <a:buChar char="•"/>
+              <a:defRPr sz="2800" kern="1200">
+                <a:solidFill>
+                  <a:schemeClr val="tx1"/>
+                </a:solidFill>
+                <a:latin typeface="+mn-lt"/>
+                <a:ea typeface="+mn-ea"/>
+                <a:cs typeface="+mn-cs"/>
+              </a:defRPr>
+            </a:lvl1pPr>
+            <a:lvl2pPr marL="685800" indent="-228600" algn="l" defTabSz="914400" rtl="0" eaLnBrk="1" latinLnBrk="0" hangingPunct="1">
+              <a:lnSpc>
+                <a:spcPct val="90000"/>
+              </a:lnSpc>
+              <a:spcBef>
+                <a:spcPts val="500"/>
+              </a:spcBef>
+              <a:buFont typeface="Arial" panose="020B0604020202020204" pitchFamily="34" charset="0"/>
+              <a:buChar char="•"/>
+              <a:defRPr sz="2400" kern="1200">
+                <a:solidFill>
+                  <a:schemeClr val="tx1"/>
+                </a:solidFill>
+                <a:latin typeface="+mn-lt"/>
+                <a:ea typeface="+mn-ea"/>
+                <a:cs typeface="+mn-cs"/>
+              </a:defRPr>
+            </a:lvl2pPr>
+            <a:lvl3pPr marL="1143000" indent="-228600" algn="l" defTabSz="914400" rtl="0" eaLnBrk="1" latinLnBrk="0" hangingPunct="1">
+              <a:lnSpc>
+                <a:spcPct val="90000"/>
+              </a:lnSpc>
+              <a:spcBef>
+                <a:spcPts val="500"/>
+              </a:spcBef>
+              <a:buFont typeface="Arial" panose="020B0604020202020204" pitchFamily="34" charset="0"/>
+              <a:buChar char="•"/>
+              <a:defRPr sz="2000" kern="1200">
+                <a:solidFill>
+                  <a:schemeClr val="tx1"/>
+                </a:solidFill>
+                <a:latin typeface="+mn-lt"/>
+                <a:ea typeface="+mn-ea"/>
+                <a:cs typeface="+mn-cs"/>
+              </a:defRPr>
+            </a:lvl3pPr>
+            <a:lvl4pPr marL="1600200" indent="-228600" algn="l" defTabSz="914400" rtl="0" eaLnBrk="1" latinLnBrk="0" hangingPunct="1">
+              <a:lnSpc>
+                <a:spcPct val="90000"/>
+              </a:lnSpc>
+              <a:spcBef>
+                <a:spcPts val="500"/>
+              </a:spcBef>
+              <a:buFont typeface="Arial" panose="020B0604020202020204" pitchFamily="34" charset="0"/>
+              <a:buChar char="•"/>
+              <a:defRPr sz="1800" kern="1200">
+                <a:solidFill>
+                  <a:schemeClr val="tx1"/>
+                </a:solidFill>
+                <a:latin typeface="+mn-lt"/>
+                <a:ea typeface="+mn-ea"/>
+                <a:cs typeface="+mn-cs"/>
+              </a:defRPr>
+            </a:lvl4pPr>
+            <a:lvl5pPr marL="2057400" indent="-228600" algn="l" defTabSz="914400" rtl="0" eaLnBrk="1" latinLnBrk="0" hangingPunct="1">
+              <a:lnSpc>
+                <a:spcPct val="90000"/>
+              </a:lnSpc>
+              <a:spcBef>
+                <a:spcPts val="500"/>
+              </a:spcBef>
+              <a:buFont typeface="Arial" panose="020B0604020202020204" pitchFamily="34" charset="0"/>
+              <a:buChar char="•"/>
+              <a:defRPr sz="1800" kern="1200">
+                <a:solidFill>
+                  <a:schemeClr val="tx1"/>
+                </a:solidFill>
+                <a:latin typeface="+mn-lt"/>
+                <a:ea typeface="+mn-ea"/>
+                <a:cs typeface="+mn-cs"/>
+              </a:defRPr>
+            </a:lvl5pPr>
+            <a:lvl6pPr marL="2514600" indent="-228600" algn="l" defTabSz="914400" rtl="0" eaLnBrk="1" latinLnBrk="0" hangingPunct="1">
+              <a:lnSpc>
+                <a:spcPct val="90000"/>
+              </a:lnSpc>
+              <a:spcBef>
+                <a:spcPts val="500"/>
+              </a:spcBef>
+              <a:buFont typeface="Arial" panose="020B0604020202020204" pitchFamily="34" charset="0"/>
+              <a:buChar char="•"/>
+              <a:defRPr sz="1800" kern="1200">
+                <a:solidFill>
+                  <a:schemeClr val="tx1"/>
+                </a:solidFill>
+                <a:latin typeface="+mn-lt"/>
+                <a:ea typeface="+mn-ea"/>
+                <a:cs typeface="+mn-cs"/>
+              </a:defRPr>
+            </a:lvl6pPr>
+            <a:lvl7pPr marL="2971800" indent="-228600" algn="l" defTabSz="914400" rtl="0" eaLnBrk="1" latinLnBrk="0" hangingPunct="1">
+              <a:lnSpc>
+                <a:spcPct val="90000"/>
+              </a:lnSpc>
+              <a:spcBef>
+                <a:spcPts val="500"/>
+              </a:spcBef>
+              <a:buFont typeface="Arial" panose="020B0604020202020204" pitchFamily="34" charset="0"/>
+              <a:buChar char="•"/>
+              <a:defRPr sz="1800" kern="1200">
+                <a:solidFill>
+                  <a:schemeClr val="tx1"/>
+                </a:solidFill>
+                <a:latin typeface="+mn-lt"/>
+                <a:ea typeface="+mn-ea"/>
+                <a:cs typeface="+mn-cs"/>
+              </a:defRPr>
+            </a:lvl7pPr>
+            <a:lvl8pPr marL="3429000" indent="-228600" algn="l" defTabSz="914400" rtl="0" eaLnBrk="1" latinLnBrk="0" hangingPunct="1">
+              <a:lnSpc>
+                <a:spcPct val="90000"/>
+              </a:lnSpc>
+              <a:spcBef>
+                <a:spcPts val="500"/>
+              </a:spcBef>
+              <a:buFont typeface="Arial" panose="020B0604020202020204" pitchFamily="34" charset="0"/>
+              <a:buChar char="•"/>
+              <a:defRPr sz="1800" kern="1200">
+                <a:solidFill>
+                  <a:schemeClr val="tx1"/>
+                </a:solidFill>
+                <a:latin typeface="+mn-lt"/>
+                <a:ea typeface="+mn-ea"/>
+                <a:cs typeface="+mn-cs"/>
+              </a:defRPr>
+            </a:lvl8pPr>
+            <a:lvl9pPr marL="3886200" indent="-228600" algn="l" defTabSz="914400" rtl="0" eaLnBrk="1" latinLnBrk="0" hangingPunct="1">
+              <a:lnSpc>
+                <a:spcPct val="90000"/>
+              </a:lnSpc>
+              <a:spcBef>
+                <a:spcPts val="500"/>
+              </a:spcBef>
+              <a:buFont typeface="Arial" panose="020B0604020202020204" pitchFamily="34" charset="0"/>
+              <a:buChar char="•"/>
+              <a:defRPr sz="1800" kern="1200">
+                <a:solidFill>
+                  <a:schemeClr val="tx1"/>
+                </a:solidFill>
+                <a:latin typeface="+mn-lt"/>
+                <a:ea typeface="+mn-ea"/>
+                <a:cs typeface="+mn-cs"/>
+              </a:defRPr>
+            </a:lvl9pPr>
+          </a:lstStyle>
+          <a:p>
+            <a:pPr marL="285750" indent="-285750"/>
             <a:r>
               <a:rPr lang="en-US" sz="2000" dirty="0"/>
               <a:t>Sits on the base’s shelf</a:t>
             </a:r>
           </a:p>
           <a:p>
-            <a:pPr marL="285750" indent="-285750">
-              <a:buFont typeface="Arial" panose="020B0604020202020204" pitchFamily="34" charset="0"/>
-              <a:buChar char="•"/>
-            </a:pPr>
+            <a:pPr marL="285750" indent="-285750"/>
             <a:r>
               <a:rPr lang="en-US" sz="2000" dirty="0"/>
-              <a:t>Screwed down with a single screw</a:t>
-            </a:r>
-          </a:p>
-          <a:p>
-            <a:pPr marL="285750" indent="-285750">
-              <a:buFont typeface="Arial" panose="020B0604020202020204" pitchFamily="34" charset="0"/>
-              <a:buChar char="•"/>
-            </a:pPr>
+              <a:t>Attached with a single screw</a:t>
+            </a:r>
+          </a:p>
+          <a:p>
+            <a:pPr marL="285750" indent="-285750"/>
             <a:r>
               <a:rPr lang="en-US" sz="2000" dirty="0"/>
               <a:t>Using Belleville washer</a:t>
             </a:r>
+          </a:p>
+          <a:p>
+            <a:pPr marL="285750" indent="-285750"/>
             <a:endParaRPr lang="en-US" sz="2000" dirty="0"/>
           </a:p>
           <a:p>
-            <a:pPr marL="285750" indent="-285750">
-              <a:buFont typeface="Arial" panose="020B0604020202020204" pitchFamily="34" charset="0"/>
-              <a:buChar char="•"/>
-            </a:pPr>
+            <a:pPr marL="285750" indent="-285750"/>
             <a:endParaRPr lang="en-US" sz="2000" dirty="0"/>
           </a:p>
         </p:txBody>
@@ -3478,7 +4192,7 @@
     </p:spTree>
     <p:extLst>
       <p:ext uri="{BB962C8B-B14F-4D97-AF65-F5344CB8AC3E}">
-        <p14:creationId xmlns:p14="http://schemas.microsoft.com/office/powerpoint/2010/main" val="2216053956"/>
+        <p14:creationId xmlns:p14="http://schemas.microsoft.com/office/powerpoint/2010/main" val="3505657423"/>
       </p:ext>
     </p:extLst>
   </p:cSld>
@@ -3507,13 +4221,11 @@
       </p:grpSpPr>
       <p:pic>
         <p:nvPicPr>
-          <p:cNvPr id="9" name="Content Placeholder 8"/>
+          <p:cNvPr id="3" name="Picture 2"/>
           <p:cNvPicPr>
-            <a:picLocks noGrp="1" noChangeAspect="1"/>
+            <a:picLocks noChangeAspect="1"/>
           </p:cNvPicPr>
-          <p:nvPr>
-            <p:ph idx="1"/>
-          </p:nvPr>
+          <p:nvPr/>
         </p:nvPicPr>
         <p:blipFill>
           <a:blip r:embed="rId2">
@@ -3529,103 +4241,275 @@
         </p:blipFill>
         <p:spPr>
           <a:xfrm>
-            <a:off x="-504" y="-10281"/>
-            <a:ext cx="15073864" cy="6868281"/>
+            <a:off x="1" y="425692"/>
+            <a:ext cx="12191998" cy="6006615"/>
           </a:xfrm>
+          <a:prstGeom prst="rect">
+            <a:avLst/>
+          </a:prstGeom>
         </p:spPr>
       </p:pic>
       <p:sp>
         <p:nvSpPr>
-          <p:cNvPr id="7" name="Title 1"/>
-          <p:cNvSpPr>
-            <a:spLocks noGrp="1"/>
-          </p:cNvSpPr>
-          <p:nvPr>
-            <p:ph type="title"/>
-          </p:nvPr>
+          <p:cNvPr id="4" name="Title 1"/>
+          <p:cNvSpPr txBox="1">
+            <a:spLocks/>
+          </p:cNvSpPr>
+          <p:nvPr/>
         </p:nvSpPr>
         <p:spPr>
           <a:xfrm>
-            <a:off x="839788" y="457200"/>
-            <a:ext cx="3932237" cy="1600200"/>
+            <a:off x="558435" y="425692"/>
+            <a:ext cx="5054575" cy="737036"/>
           </a:xfrm>
+          <a:prstGeom prst="rect">
+            <a:avLst/>
+          </a:prstGeom>
         </p:spPr>
         <p:txBody>
           <a:bodyPr/>
-          <a:lstStyle/>
+          <a:lstStyle>
+            <a:lvl1pPr algn="l" defTabSz="914400" rtl="0" eaLnBrk="1" latinLnBrk="0" hangingPunct="1">
+              <a:lnSpc>
+                <a:spcPct val="90000"/>
+              </a:lnSpc>
+              <a:spcBef>
+                <a:spcPct val="0"/>
+              </a:spcBef>
+              <a:buNone/>
+              <a:defRPr sz="4400" kern="1200">
+                <a:solidFill>
+                  <a:schemeClr val="tx1"/>
+                </a:solidFill>
+                <a:latin typeface="+mj-lt"/>
+                <a:ea typeface="+mj-ea"/>
+                <a:cs typeface="+mj-cs"/>
+              </a:defRPr>
+            </a:lvl1pPr>
+          </a:lstStyle>
           <a:p>
             <a:r>
               <a:rPr lang="en-US" dirty="0"/>
               <a:t>Add Motherboard</a:t>
             </a:r>
           </a:p>
-        </p:txBody>
-      </p:sp>
-      <p:sp>
-        <p:nvSpPr>
-          <p:cNvPr id="8" name="Text Placeholder 3"/>
-          <p:cNvSpPr>
-            <a:spLocks noGrp="1"/>
-          </p:cNvSpPr>
-          <p:nvPr>
-            <p:ph type="body" sz="half" idx="2"/>
-          </p:nvPr>
+          <a:p>
+            <a:endParaRPr lang="en-US" dirty="0"/>
+          </a:p>
+        </p:txBody>
+      </p:sp>
+      <p:sp>
+        <p:nvSpPr>
+          <p:cNvPr id="5" name="Text Placeholder 3"/>
+          <p:cNvSpPr txBox="1">
+            <a:spLocks/>
+          </p:cNvSpPr>
+          <p:nvPr/>
         </p:nvSpPr>
         <p:spPr>
           <a:xfrm>
-            <a:off x="839789" y="2057400"/>
-            <a:ext cx="2972556" cy="3811588"/>
+            <a:off x="85032" y="1162728"/>
+            <a:ext cx="2615966" cy="5269580"/>
           </a:xfrm>
+          <a:prstGeom prst="rect">
+            <a:avLst/>
+          </a:prstGeom>
         </p:spPr>
         <p:txBody>
           <a:bodyPr>
             <a:normAutofit/>
           </a:bodyPr>
-          <a:lstStyle/>
-          <a:p>
-            <a:pPr marL="285750" indent="-285750">
-              <a:buFont typeface="Arial" panose="020B0604020202020204" pitchFamily="34" charset="0"/>
-              <a:buChar char="•"/>
-            </a:pPr>
+          <a:lstStyle>
+            <a:lvl1pPr marL="228600" indent="-228600" algn="l" defTabSz="914400" rtl="0" eaLnBrk="1" latinLnBrk="0" hangingPunct="1">
+              <a:lnSpc>
+                <a:spcPct val="90000"/>
+              </a:lnSpc>
+              <a:spcBef>
+                <a:spcPts val="1000"/>
+              </a:spcBef>
+              <a:buFont typeface="Arial" panose="020B0604020202020204" pitchFamily="34" charset="0"/>
+              <a:buChar char="•"/>
+              <a:defRPr sz="2800" kern="1200">
+                <a:solidFill>
+                  <a:schemeClr val="tx1"/>
+                </a:solidFill>
+                <a:latin typeface="+mn-lt"/>
+                <a:ea typeface="+mn-ea"/>
+                <a:cs typeface="+mn-cs"/>
+              </a:defRPr>
+            </a:lvl1pPr>
+            <a:lvl2pPr marL="685800" indent="-228600" algn="l" defTabSz="914400" rtl="0" eaLnBrk="1" latinLnBrk="0" hangingPunct="1">
+              <a:lnSpc>
+                <a:spcPct val="90000"/>
+              </a:lnSpc>
+              <a:spcBef>
+                <a:spcPts val="500"/>
+              </a:spcBef>
+              <a:buFont typeface="Arial" panose="020B0604020202020204" pitchFamily="34" charset="0"/>
+              <a:buChar char="•"/>
+              <a:defRPr sz="2400" kern="1200">
+                <a:solidFill>
+                  <a:schemeClr val="tx1"/>
+                </a:solidFill>
+                <a:latin typeface="+mn-lt"/>
+                <a:ea typeface="+mn-ea"/>
+                <a:cs typeface="+mn-cs"/>
+              </a:defRPr>
+            </a:lvl2pPr>
+            <a:lvl3pPr marL="1143000" indent="-228600" algn="l" defTabSz="914400" rtl="0" eaLnBrk="1" latinLnBrk="0" hangingPunct="1">
+              <a:lnSpc>
+                <a:spcPct val="90000"/>
+              </a:lnSpc>
+              <a:spcBef>
+                <a:spcPts val="500"/>
+              </a:spcBef>
+              <a:buFont typeface="Arial" panose="020B0604020202020204" pitchFamily="34" charset="0"/>
+              <a:buChar char="•"/>
+              <a:defRPr sz="2000" kern="1200">
+                <a:solidFill>
+                  <a:schemeClr val="tx1"/>
+                </a:solidFill>
+                <a:latin typeface="+mn-lt"/>
+                <a:ea typeface="+mn-ea"/>
+                <a:cs typeface="+mn-cs"/>
+              </a:defRPr>
+            </a:lvl3pPr>
+            <a:lvl4pPr marL="1600200" indent="-228600" algn="l" defTabSz="914400" rtl="0" eaLnBrk="1" latinLnBrk="0" hangingPunct="1">
+              <a:lnSpc>
+                <a:spcPct val="90000"/>
+              </a:lnSpc>
+              <a:spcBef>
+                <a:spcPts val="500"/>
+              </a:spcBef>
+              <a:buFont typeface="Arial" panose="020B0604020202020204" pitchFamily="34" charset="0"/>
+              <a:buChar char="•"/>
+              <a:defRPr sz="1800" kern="1200">
+                <a:solidFill>
+                  <a:schemeClr val="tx1"/>
+                </a:solidFill>
+                <a:latin typeface="+mn-lt"/>
+                <a:ea typeface="+mn-ea"/>
+                <a:cs typeface="+mn-cs"/>
+              </a:defRPr>
+            </a:lvl4pPr>
+            <a:lvl5pPr marL="2057400" indent="-228600" algn="l" defTabSz="914400" rtl="0" eaLnBrk="1" latinLnBrk="0" hangingPunct="1">
+              <a:lnSpc>
+                <a:spcPct val="90000"/>
+              </a:lnSpc>
+              <a:spcBef>
+                <a:spcPts val="500"/>
+              </a:spcBef>
+              <a:buFont typeface="Arial" panose="020B0604020202020204" pitchFamily="34" charset="0"/>
+              <a:buChar char="•"/>
+              <a:defRPr sz="1800" kern="1200">
+                <a:solidFill>
+                  <a:schemeClr val="tx1"/>
+                </a:solidFill>
+                <a:latin typeface="+mn-lt"/>
+                <a:ea typeface="+mn-ea"/>
+                <a:cs typeface="+mn-cs"/>
+              </a:defRPr>
+            </a:lvl5pPr>
+            <a:lvl6pPr marL="2514600" indent="-228600" algn="l" defTabSz="914400" rtl="0" eaLnBrk="1" latinLnBrk="0" hangingPunct="1">
+              <a:lnSpc>
+                <a:spcPct val="90000"/>
+              </a:lnSpc>
+              <a:spcBef>
+                <a:spcPts val="500"/>
+              </a:spcBef>
+              <a:buFont typeface="Arial" panose="020B0604020202020204" pitchFamily="34" charset="0"/>
+              <a:buChar char="•"/>
+              <a:defRPr sz="1800" kern="1200">
+                <a:solidFill>
+                  <a:schemeClr val="tx1"/>
+                </a:solidFill>
+                <a:latin typeface="+mn-lt"/>
+                <a:ea typeface="+mn-ea"/>
+                <a:cs typeface="+mn-cs"/>
+              </a:defRPr>
+            </a:lvl6pPr>
+            <a:lvl7pPr marL="2971800" indent="-228600" algn="l" defTabSz="914400" rtl="0" eaLnBrk="1" latinLnBrk="0" hangingPunct="1">
+              <a:lnSpc>
+                <a:spcPct val="90000"/>
+              </a:lnSpc>
+              <a:spcBef>
+                <a:spcPts val="500"/>
+              </a:spcBef>
+              <a:buFont typeface="Arial" panose="020B0604020202020204" pitchFamily="34" charset="0"/>
+              <a:buChar char="•"/>
+              <a:defRPr sz="1800" kern="1200">
+                <a:solidFill>
+                  <a:schemeClr val="tx1"/>
+                </a:solidFill>
+                <a:latin typeface="+mn-lt"/>
+                <a:ea typeface="+mn-ea"/>
+                <a:cs typeface="+mn-cs"/>
+              </a:defRPr>
+            </a:lvl7pPr>
+            <a:lvl8pPr marL="3429000" indent="-228600" algn="l" defTabSz="914400" rtl="0" eaLnBrk="1" latinLnBrk="0" hangingPunct="1">
+              <a:lnSpc>
+                <a:spcPct val="90000"/>
+              </a:lnSpc>
+              <a:spcBef>
+                <a:spcPts val="500"/>
+              </a:spcBef>
+              <a:buFont typeface="Arial" panose="020B0604020202020204" pitchFamily="34" charset="0"/>
+              <a:buChar char="•"/>
+              <a:defRPr sz="1800" kern="1200">
+                <a:solidFill>
+                  <a:schemeClr val="tx1"/>
+                </a:solidFill>
+                <a:latin typeface="+mn-lt"/>
+                <a:ea typeface="+mn-ea"/>
+                <a:cs typeface="+mn-cs"/>
+              </a:defRPr>
+            </a:lvl8pPr>
+            <a:lvl9pPr marL="3886200" indent="-228600" algn="l" defTabSz="914400" rtl="0" eaLnBrk="1" latinLnBrk="0" hangingPunct="1">
+              <a:lnSpc>
+                <a:spcPct val="90000"/>
+              </a:lnSpc>
+              <a:spcBef>
+                <a:spcPts val="500"/>
+              </a:spcBef>
+              <a:buFont typeface="Arial" panose="020B0604020202020204" pitchFamily="34" charset="0"/>
+              <a:buChar char="•"/>
+              <a:defRPr sz="1800" kern="1200">
+                <a:solidFill>
+                  <a:schemeClr val="tx1"/>
+                </a:solidFill>
+                <a:latin typeface="+mn-lt"/>
+                <a:ea typeface="+mn-ea"/>
+                <a:cs typeface="+mn-cs"/>
+              </a:defRPr>
+            </a:lvl9pPr>
+          </a:lstStyle>
+          <a:p>
+            <a:pPr marL="285750" indent="-285750"/>
             <a:r>
               <a:rPr lang="en-US" sz="2000" dirty="0"/>
               <a:t>Sits on the base’s shelf</a:t>
             </a:r>
           </a:p>
           <a:p>
-            <a:pPr marL="285750" indent="-285750">
-              <a:buFont typeface="Arial" panose="020B0604020202020204" pitchFamily="34" charset="0"/>
-              <a:buChar char="•"/>
-            </a:pPr>
+            <a:pPr marL="285750" indent="-285750"/>
             <a:r>
               <a:rPr lang="en-US" sz="2000" dirty="0"/>
-              <a:t>Screwed down with a single screw</a:t>
-            </a:r>
-          </a:p>
-          <a:p>
-            <a:pPr marL="285750" indent="-285750">
-              <a:buFont typeface="Arial" panose="020B0604020202020204" pitchFamily="34" charset="0"/>
-              <a:buChar char="•"/>
-            </a:pPr>
+              <a:t>Attached with a single screw</a:t>
+            </a:r>
+          </a:p>
+          <a:p>
+            <a:pPr marL="285750" indent="-285750"/>
             <a:r>
               <a:rPr lang="en-US" sz="2000" dirty="0"/>
               <a:t>Using Belleville washer</a:t>
             </a:r>
-            <a:endParaRPr lang="en-US" sz="2000" dirty="0"/>
-          </a:p>
-          <a:p>
-            <a:pPr marL="285750" indent="-285750">
-              <a:buFont typeface="Arial" panose="020B0604020202020204" pitchFamily="34" charset="0"/>
-              <a:buChar char="•"/>
-            </a:pPr>
-            <a:endParaRPr lang="en-US" sz="2000" dirty="0"/>
           </a:p>
         </p:txBody>
       </p:sp>
     </p:spTree>
     <p:extLst>
       <p:ext uri="{BB962C8B-B14F-4D97-AF65-F5344CB8AC3E}">
-        <p14:creationId xmlns:p14="http://schemas.microsoft.com/office/powerpoint/2010/main" val="1338299611"/>
+        <p14:creationId xmlns:p14="http://schemas.microsoft.com/office/powerpoint/2010/main" val="263510583"/>
       </p:ext>
     </p:extLst>
   </p:cSld>
@@ -3654,13 +4538,11 @@
       </p:grpSpPr>
       <p:pic>
         <p:nvPicPr>
-          <p:cNvPr id="9" name="Content Placeholder 8"/>
+          <p:cNvPr id="3" name="Picture 2"/>
           <p:cNvPicPr>
-            <a:picLocks noGrp="1" noChangeAspect="1"/>
+            <a:picLocks noChangeAspect="1"/>
           </p:cNvPicPr>
-          <p:nvPr>
-            <p:ph idx="1"/>
-          </p:nvPr>
+          <p:nvPr/>
         </p:nvPicPr>
         <p:blipFill>
           <a:blip r:embed="rId2">
@@ -3676,79 +4558,264 @@
         </p:blipFill>
         <p:spPr>
           <a:xfrm>
-            <a:off x="-504" y="-10281"/>
-            <a:ext cx="15073864" cy="6868281"/>
+            <a:off x="1" y="425692"/>
+            <a:ext cx="12191998" cy="6006615"/>
           </a:xfrm>
+          <a:prstGeom prst="rect">
+            <a:avLst/>
+          </a:prstGeom>
         </p:spPr>
       </p:pic>
       <p:sp>
         <p:nvSpPr>
-          <p:cNvPr id="2" name="Title 1"/>
-          <p:cNvSpPr>
-            <a:spLocks noGrp="1"/>
-          </p:cNvSpPr>
-          <p:nvPr>
-            <p:ph type="title"/>
-          </p:nvPr>
-        </p:nvSpPr>
-        <p:spPr/>
+          <p:cNvPr id="4" name="Title 1"/>
+          <p:cNvSpPr txBox="1">
+            <a:spLocks/>
+          </p:cNvSpPr>
+          <p:nvPr/>
+        </p:nvSpPr>
+        <p:spPr>
+          <a:xfrm>
+            <a:off x="558435" y="425692"/>
+            <a:ext cx="5054575" cy="737036"/>
+          </a:xfrm>
+          <a:prstGeom prst="rect">
+            <a:avLst/>
+          </a:prstGeom>
+        </p:spPr>
         <p:txBody>
           <a:bodyPr/>
-          <a:lstStyle/>
+          <a:lstStyle>
+            <a:lvl1pPr algn="l" defTabSz="914400" rtl="0" eaLnBrk="1" latinLnBrk="0" hangingPunct="1">
+              <a:lnSpc>
+                <a:spcPct val="90000"/>
+              </a:lnSpc>
+              <a:spcBef>
+                <a:spcPct val="0"/>
+              </a:spcBef>
+              <a:buNone/>
+              <a:defRPr sz="4400" kern="1200">
+                <a:solidFill>
+                  <a:schemeClr val="tx1"/>
+                </a:solidFill>
+                <a:latin typeface="+mj-lt"/>
+                <a:ea typeface="+mj-ea"/>
+                <a:cs typeface="+mj-cs"/>
+              </a:defRPr>
+            </a:lvl1pPr>
+          </a:lstStyle>
           <a:p>
             <a:r>
               <a:rPr lang="en-US" dirty="0"/>
               <a:t>Add Thermal Straps</a:t>
             </a:r>
           </a:p>
-        </p:txBody>
-      </p:sp>
-      <p:sp>
-        <p:nvSpPr>
-          <p:cNvPr id="4" name="Text Placeholder 3"/>
-          <p:cNvSpPr>
-            <a:spLocks noGrp="1"/>
-          </p:cNvSpPr>
-          <p:nvPr>
-            <p:ph type="body" sz="half" idx="2"/>
-          </p:nvPr>
+          <a:p>
+            <a:endParaRPr lang="en-US" dirty="0"/>
+          </a:p>
+        </p:txBody>
+      </p:sp>
+      <p:sp>
+        <p:nvSpPr>
+          <p:cNvPr id="5" name="Text Placeholder 3"/>
+          <p:cNvSpPr txBox="1">
+            <a:spLocks/>
+          </p:cNvSpPr>
+          <p:nvPr/>
         </p:nvSpPr>
         <p:spPr>
           <a:xfrm>
-            <a:off x="839789" y="2057400"/>
-            <a:ext cx="2986623" cy="3811588"/>
+            <a:off x="85032" y="1162728"/>
+            <a:ext cx="2615966" cy="5269580"/>
           </a:xfrm>
+          <a:prstGeom prst="rect">
+            <a:avLst/>
+          </a:prstGeom>
         </p:spPr>
         <p:txBody>
           <a:bodyPr>
             <a:normAutofit/>
           </a:bodyPr>
-          <a:lstStyle/>
-          <a:p>
-            <a:pPr marL="285750" indent="-285750">
-              <a:buFont typeface="Arial" panose="020B0604020202020204" pitchFamily="34" charset="0"/>
-              <a:buChar char="•"/>
-            </a:pPr>
+          <a:lstStyle>
+            <a:lvl1pPr marL="228600" indent="-228600" algn="l" defTabSz="914400" rtl="0" eaLnBrk="1" latinLnBrk="0" hangingPunct="1">
+              <a:lnSpc>
+                <a:spcPct val="90000"/>
+              </a:lnSpc>
+              <a:spcBef>
+                <a:spcPts val="1000"/>
+              </a:spcBef>
+              <a:buFont typeface="Arial" panose="020B0604020202020204" pitchFamily="34" charset="0"/>
+              <a:buChar char="•"/>
+              <a:defRPr sz="2800" kern="1200">
+                <a:solidFill>
+                  <a:schemeClr val="tx1"/>
+                </a:solidFill>
+                <a:latin typeface="+mn-lt"/>
+                <a:ea typeface="+mn-ea"/>
+                <a:cs typeface="+mn-cs"/>
+              </a:defRPr>
+            </a:lvl1pPr>
+            <a:lvl2pPr marL="685800" indent="-228600" algn="l" defTabSz="914400" rtl="0" eaLnBrk="1" latinLnBrk="0" hangingPunct="1">
+              <a:lnSpc>
+                <a:spcPct val="90000"/>
+              </a:lnSpc>
+              <a:spcBef>
+                <a:spcPts val="500"/>
+              </a:spcBef>
+              <a:buFont typeface="Arial" panose="020B0604020202020204" pitchFamily="34" charset="0"/>
+              <a:buChar char="•"/>
+              <a:defRPr sz="2400" kern="1200">
+                <a:solidFill>
+                  <a:schemeClr val="tx1"/>
+                </a:solidFill>
+                <a:latin typeface="+mn-lt"/>
+                <a:ea typeface="+mn-ea"/>
+                <a:cs typeface="+mn-cs"/>
+              </a:defRPr>
+            </a:lvl2pPr>
+            <a:lvl3pPr marL="1143000" indent="-228600" algn="l" defTabSz="914400" rtl="0" eaLnBrk="1" latinLnBrk="0" hangingPunct="1">
+              <a:lnSpc>
+                <a:spcPct val="90000"/>
+              </a:lnSpc>
+              <a:spcBef>
+                <a:spcPts val="500"/>
+              </a:spcBef>
+              <a:buFont typeface="Arial" panose="020B0604020202020204" pitchFamily="34" charset="0"/>
+              <a:buChar char="•"/>
+              <a:defRPr sz="2000" kern="1200">
+                <a:solidFill>
+                  <a:schemeClr val="tx1"/>
+                </a:solidFill>
+                <a:latin typeface="+mn-lt"/>
+                <a:ea typeface="+mn-ea"/>
+                <a:cs typeface="+mn-cs"/>
+              </a:defRPr>
+            </a:lvl3pPr>
+            <a:lvl4pPr marL="1600200" indent="-228600" algn="l" defTabSz="914400" rtl="0" eaLnBrk="1" latinLnBrk="0" hangingPunct="1">
+              <a:lnSpc>
+                <a:spcPct val="90000"/>
+              </a:lnSpc>
+              <a:spcBef>
+                <a:spcPts val="500"/>
+              </a:spcBef>
+              <a:buFont typeface="Arial" panose="020B0604020202020204" pitchFamily="34" charset="0"/>
+              <a:buChar char="•"/>
+              <a:defRPr sz="1800" kern="1200">
+                <a:solidFill>
+                  <a:schemeClr val="tx1"/>
+                </a:solidFill>
+                <a:latin typeface="+mn-lt"/>
+                <a:ea typeface="+mn-ea"/>
+                <a:cs typeface="+mn-cs"/>
+              </a:defRPr>
+            </a:lvl4pPr>
+            <a:lvl5pPr marL="2057400" indent="-228600" algn="l" defTabSz="914400" rtl="0" eaLnBrk="1" latinLnBrk="0" hangingPunct="1">
+              <a:lnSpc>
+                <a:spcPct val="90000"/>
+              </a:lnSpc>
+              <a:spcBef>
+                <a:spcPts val="500"/>
+              </a:spcBef>
+              <a:buFont typeface="Arial" panose="020B0604020202020204" pitchFamily="34" charset="0"/>
+              <a:buChar char="•"/>
+              <a:defRPr sz="1800" kern="1200">
+                <a:solidFill>
+                  <a:schemeClr val="tx1"/>
+                </a:solidFill>
+                <a:latin typeface="+mn-lt"/>
+                <a:ea typeface="+mn-ea"/>
+                <a:cs typeface="+mn-cs"/>
+              </a:defRPr>
+            </a:lvl5pPr>
+            <a:lvl6pPr marL="2514600" indent="-228600" algn="l" defTabSz="914400" rtl="0" eaLnBrk="1" latinLnBrk="0" hangingPunct="1">
+              <a:lnSpc>
+                <a:spcPct val="90000"/>
+              </a:lnSpc>
+              <a:spcBef>
+                <a:spcPts val="500"/>
+              </a:spcBef>
+              <a:buFont typeface="Arial" panose="020B0604020202020204" pitchFamily="34" charset="0"/>
+              <a:buChar char="•"/>
+              <a:defRPr sz="1800" kern="1200">
+                <a:solidFill>
+                  <a:schemeClr val="tx1"/>
+                </a:solidFill>
+                <a:latin typeface="+mn-lt"/>
+                <a:ea typeface="+mn-ea"/>
+                <a:cs typeface="+mn-cs"/>
+              </a:defRPr>
+            </a:lvl6pPr>
+            <a:lvl7pPr marL="2971800" indent="-228600" algn="l" defTabSz="914400" rtl="0" eaLnBrk="1" latinLnBrk="0" hangingPunct="1">
+              <a:lnSpc>
+                <a:spcPct val="90000"/>
+              </a:lnSpc>
+              <a:spcBef>
+                <a:spcPts val="500"/>
+              </a:spcBef>
+              <a:buFont typeface="Arial" panose="020B0604020202020204" pitchFamily="34" charset="0"/>
+              <a:buChar char="•"/>
+              <a:defRPr sz="1800" kern="1200">
+                <a:solidFill>
+                  <a:schemeClr val="tx1"/>
+                </a:solidFill>
+                <a:latin typeface="+mn-lt"/>
+                <a:ea typeface="+mn-ea"/>
+                <a:cs typeface="+mn-cs"/>
+              </a:defRPr>
+            </a:lvl7pPr>
+            <a:lvl8pPr marL="3429000" indent="-228600" algn="l" defTabSz="914400" rtl="0" eaLnBrk="1" latinLnBrk="0" hangingPunct="1">
+              <a:lnSpc>
+                <a:spcPct val="90000"/>
+              </a:lnSpc>
+              <a:spcBef>
+                <a:spcPts val="500"/>
+              </a:spcBef>
+              <a:buFont typeface="Arial" panose="020B0604020202020204" pitchFamily="34" charset="0"/>
+              <a:buChar char="•"/>
+              <a:defRPr sz="1800" kern="1200">
+                <a:solidFill>
+                  <a:schemeClr val="tx1"/>
+                </a:solidFill>
+                <a:latin typeface="+mn-lt"/>
+                <a:ea typeface="+mn-ea"/>
+                <a:cs typeface="+mn-cs"/>
+              </a:defRPr>
+            </a:lvl8pPr>
+            <a:lvl9pPr marL="3886200" indent="-228600" algn="l" defTabSz="914400" rtl="0" eaLnBrk="1" latinLnBrk="0" hangingPunct="1">
+              <a:lnSpc>
+                <a:spcPct val="90000"/>
+              </a:lnSpc>
+              <a:spcBef>
+                <a:spcPts val="500"/>
+              </a:spcBef>
+              <a:buFont typeface="Arial" panose="020B0604020202020204" pitchFamily="34" charset="0"/>
+              <a:buChar char="•"/>
+              <a:defRPr sz="1800" kern="1200">
+                <a:solidFill>
+                  <a:schemeClr val="tx1"/>
+                </a:solidFill>
+                <a:latin typeface="+mn-lt"/>
+                <a:ea typeface="+mn-ea"/>
+                <a:cs typeface="+mn-cs"/>
+              </a:defRPr>
+            </a:lvl9pPr>
+          </a:lstStyle>
+          <a:p>
+            <a:pPr marL="285750" indent="-285750"/>
             <a:r>
               <a:rPr lang="en-US" sz="2000" dirty="0"/>
-              <a:t>Screwed between the base and 2 unused holes on the Motherboard</a:t>
-            </a:r>
-          </a:p>
-          <a:p>
-            <a:pPr marL="285750" indent="-285750">
-              <a:buFont typeface="Arial" panose="020B0604020202020204" pitchFamily="34" charset="0"/>
-              <a:buChar char="•"/>
-            </a:pPr>
+              <a:t>Between the base and 2 unused holes on the Motherboard</a:t>
+            </a:r>
+          </a:p>
+          <a:p>
+            <a:pPr marL="285750" indent="-285750"/>
             <a:r>
               <a:rPr lang="en-US" sz="2000" dirty="0"/>
-              <a:t>Perhaps I should add these for the other 3 unused holes as well</a:t>
-            </a:r>
-          </a:p>
-          <a:p>
-            <a:pPr marL="285750" indent="-285750">
-              <a:buFont typeface="Arial" panose="020B0604020202020204" pitchFamily="34" charset="0"/>
-              <a:buChar char="•"/>
-            </a:pPr>
+              <a:t>Possibly add these for the other 3 unused holes as well</a:t>
+            </a:r>
+          </a:p>
+          <a:p>
+            <a:pPr marL="285750" indent="-285750"/>
             <a:endParaRPr lang="en-US" sz="2000" dirty="0"/>
           </a:p>
         </p:txBody>
@@ -3756,7 +4823,7 @@
     </p:spTree>
     <p:extLst>
       <p:ext uri="{BB962C8B-B14F-4D97-AF65-F5344CB8AC3E}">
-        <p14:creationId xmlns:p14="http://schemas.microsoft.com/office/powerpoint/2010/main" val="915284471"/>
+        <p14:creationId xmlns:p14="http://schemas.microsoft.com/office/powerpoint/2010/main" val="1605941338"/>
       </p:ext>
     </p:extLst>
   </p:cSld>
@@ -3785,13 +4852,11 @@
       </p:grpSpPr>
       <p:pic>
         <p:nvPicPr>
-          <p:cNvPr id="9" name="Content Placeholder 8"/>
+          <p:cNvPr id="3" name="Picture 2"/>
           <p:cNvPicPr>
-            <a:picLocks noGrp="1" noChangeAspect="1"/>
+            <a:picLocks noChangeAspect="1"/>
           </p:cNvPicPr>
-          <p:nvPr>
-            <p:ph idx="1"/>
-          </p:nvPr>
+          <p:nvPr/>
         </p:nvPicPr>
         <p:blipFill>
           <a:blip r:embed="rId2">
@@ -3807,77 +4872,330 @@
         </p:blipFill>
         <p:spPr>
           <a:xfrm>
-            <a:off x="-504" y="-10281"/>
-            <a:ext cx="15073864" cy="6868281"/>
+            <a:off x="1" y="425692"/>
+            <a:ext cx="12191998" cy="6006615"/>
           </a:xfrm>
+          <a:prstGeom prst="rect">
+            <a:avLst/>
+          </a:prstGeom>
         </p:spPr>
       </p:pic>
       <p:sp>
         <p:nvSpPr>
-          <p:cNvPr id="2" name="Title 1"/>
-          <p:cNvSpPr>
-            <a:spLocks noGrp="1"/>
-          </p:cNvSpPr>
-          <p:nvPr>
-            <p:ph type="title"/>
-          </p:nvPr>
-        </p:nvSpPr>
-        <p:spPr/>
+          <p:cNvPr id="4" name="Title 1"/>
+          <p:cNvSpPr txBox="1">
+            <a:spLocks/>
+          </p:cNvSpPr>
+          <p:nvPr/>
+        </p:nvSpPr>
+        <p:spPr>
+          <a:xfrm>
+            <a:off x="558435" y="425692"/>
+            <a:ext cx="5054575" cy="737036"/>
+          </a:xfrm>
+          <a:prstGeom prst="rect">
+            <a:avLst/>
+          </a:prstGeom>
+        </p:spPr>
         <p:txBody>
           <a:bodyPr/>
-          <a:lstStyle/>
+          <a:lstStyle>
+            <a:lvl1pPr algn="l" defTabSz="914400" rtl="0" eaLnBrk="1" latinLnBrk="0" hangingPunct="1">
+              <a:lnSpc>
+                <a:spcPct val="90000"/>
+              </a:lnSpc>
+              <a:spcBef>
+                <a:spcPct val="0"/>
+              </a:spcBef>
+              <a:buNone/>
+              <a:defRPr sz="4400" kern="1200">
+                <a:solidFill>
+                  <a:schemeClr val="tx1"/>
+                </a:solidFill>
+                <a:latin typeface="+mj-lt"/>
+                <a:ea typeface="+mj-ea"/>
+                <a:cs typeface="+mj-cs"/>
+              </a:defRPr>
+            </a:lvl1pPr>
+          </a:lstStyle>
           <a:p>
             <a:r>
               <a:rPr lang="en-US" dirty="0"/>
               <a:t>Add Lid</a:t>
             </a:r>
           </a:p>
-        </p:txBody>
-      </p:sp>
-      <p:sp>
-        <p:nvSpPr>
-          <p:cNvPr id="4" name="Text Placeholder 3"/>
-          <p:cNvSpPr>
-            <a:spLocks noGrp="1"/>
-          </p:cNvSpPr>
-          <p:nvPr>
-            <p:ph type="body" sz="half" idx="2"/>
-          </p:nvPr>
+          <a:p>
+            <a:endParaRPr lang="en-US" dirty="0"/>
+          </a:p>
+        </p:txBody>
+      </p:sp>
+      <p:sp>
+        <p:nvSpPr>
+          <p:cNvPr id="5" name="Text Placeholder 3"/>
+          <p:cNvSpPr txBox="1">
+            <a:spLocks/>
+          </p:cNvSpPr>
+          <p:nvPr/>
         </p:nvSpPr>
         <p:spPr>
           <a:xfrm>
-            <a:off x="839789" y="2057400"/>
-            <a:ext cx="2986624" cy="3811588"/>
+            <a:off x="85032" y="1162728"/>
+            <a:ext cx="2615966" cy="5269580"/>
           </a:xfrm>
+          <a:prstGeom prst="rect">
+            <a:avLst/>
+          </a:prstGeom>
         </p:spPr>
         <p:txBody>
           <a:bodyPr>
             <a:normAutofit/>
           </a:bodyPr>
-          <a:lstStyle/>
-          <a:p>
-            <a:pPr marL="285750" indent="-285750">
-              <a:buFont typeface="Arial" panose="020B0604020202020204" pitchFamily="34" charset="0"/>
-              <a:buChar char="•"/>
-            </a:pPr>
+          <a:lstStyle>
+            <a:lvl1pPr marL="228600" indent="-228600" algn="l" defTabSz="914400" rtl="0" eaLnBrk="1" latinLnBrk="0" hangingPunct="1">
+              <a:lnSpc>
+                <a:spcPct val="90000"/>
+              </a:lnSpc>
+              <a:spcBef>
+                <a:spcPts val="1000"/>
+              </a:spcBef>
+              <a:buFont typeface="Arial" panose="020B0604020202020204" pitchFamily="34" charset="0"/>
+              <a:buChar char="•"/>
+              <a:defRPr sz="2800" kern="1200">
+                <a:solidFill>
+                  <a:schemeClr val="tx1"/>
+                </a:solidFill>
+                <a:latin typeface="+mn-lt"/>
+                <a:ea typeface="+mn-ea"/>
+                <a:cs typeface="+mn-cs"/>
+              </a:defRPr>
+            </a:lvl1pPr>
+            <a:lvl2pPr marL="685800" indent="-228600" algn="l" defTabSz="914400" rtl="0" eaLnBrk="1" latinLnBrk="0" hangingPunct="1">
+              <a:lnSpc>
+                <a:spcPct val="90000"/>
+              </a:lnSpc>
+              <a:spcBef>
+                <a:spcPts val="500"/>
+              </a:spcBef>
+              <a:buFont typeface="Arial" panose="020B0604020202020204" pitchFamily="34" charset="0"/>
+              <a:buChar char="•"/>
+              <a:defRPr sz="2400" kern="1200">
+                <a:solidFill>
+                  <a:schemeClr val="tx1"/>
+                </a:solidFill>
+                <a:latin typeface="+mn-lt"/>
+                <a:ea typeface="+mn-ea"/>
+                <a:cs typeface="+mn-cs"/>
+              </a:defRPr>
+            </a:lvl2pPr>
+            <a:lvl3pPr marL="1143000" indent="-228600" algn="l" defTabSz="914400" rtl="0" eaLnBrk="1" latinLnBrk="0" hangingPunct="1">
+              <a:lnSpc>
+                <a:spcPct val="90000"/>
+              </a:lnSpc>
+              <a:spcBef>
+                <a:spcPts val="500"/>
+              </a:spcBef>
+              <a:buFont typeface="Arial" panose="020B0604020202020204" pitchFamily="34" charset="0"/>
+              <a:buChar char="•"/>
+              <a:defRPr sz="2000" kern="1200">
+                <a:solidFill>
+                  <a:schemeClr val="tx1"/>
+                </a:solidFill>
+                <a:latin typeface="+mn-lt"/>
+                <a:ea typeface="+mn-ea"/>
+                <a:cs typeface="+mn-cs"/>
+              </a:defRPr>
+            </a:lvl3pPr>
+            <a:lvl4pPr marL="1600200" indent="-228600" algn="l" defTabSz="914400" rtl="0" eaLnBrk="1" latinLnBrk="0" hangingPunct="1">
+              <a:lnSpc>
+                <a:spcPct val="90000"/>
+              </a:lnSpc>
+              <a:spcBef>
+                <a:spcPts val="500"/>
+              </a:spcBef>
+              <a:buFont typeface="Arial" panose="020B0604020202020204" pitchFamily="34" charset="0"/>
+              <a:buChar char="•"/>
+              <a:defRPr sz="1800" kern="1200">
+                <a:solidFill>
+                  <a:schemeClr val="tx1"/>
+                </a:solidFill>
+                <a:latin typeface="+mn-lt"/>
+                <a:ea typeface="+mn-ea"/>
+                <a:cs typeface="+mn-cs"/>
+              </a:defRPr>
+            </a:lvl4pPr>
+            <a:lvl5pPr marL="2057400" indent="-228600" algn="l" defTabSz="914400" rtl="0" eaLnBrk="1" latinLnBrk="0" hangingPunct="1">
+              <a:lnSpc>
+                <a:spcPct val="90000"/>
+              </a:lnSpc>
+              <a:spcBef>
+                <a:spcPts val="500"/>
+              </a:spcBef>
+              <a:buFont typeface="Arial" panose="020B0604020202020204" pitchFamily="34" charset="0"/>
+              <a:buChar char="•"/>
+              <a:defRPr sz="1800" kern="1200">
+                <a:solidFill>
+                  <a:schemeClr val="tx1"/>
+                </a:solidFill>
+                <a:latin typeface="+mn-lt"/>
+                <a:ea typeface="+mn-ea"/>
+                <a:cs typeface="+mn-cs"/>
+              </a:defRPr>
+            </a:lvl5pPr>
+            <a:lvl6pPr marL="2514600" indent="-228600" algn="l" defTabSz="914400" rtl="0" eaLnBrk="1" latinLnBrk="0" hangingPunct="1">
+              <a:lnSpc>
+                <a:spcPct val="90000"/>
+              </a:lnSpc>
+              <a:spcBef>
+                <a:spcPts val="500"/>
+              </a:spcBef>
+              <a:buFont typeface="Arial" panose="020B0604020202020204" pitchFamily="34" charset="0"/>
+              <a:buChar char="•"/>
+              <a:defRPr sz="1800" kern="1200">
+                <a:solidFill>
+                  <a:schemeClr val="tx1"/>
+                </a:solidFill>
+                <a:latin typeface="+mn-lt"/>
+                <a:ea typeface="+mn-ea"/>
+                <a:cs typeface="+mn-cs"/>
+              </a:defRPr>
+            </a:lvl6pPr>
+            <a:lvl7pPr marL="2971800" indent="-228600" algn="l" defTabSz="914400" rtl="0" eaLnBrk="1" latinLnBrk="0" hangingPunct="1">
+              <a:lnSpc>
+                <a:spcPct val="90000"/>
+              </a:lnSpc>
+              <a:spcBef>
+                <a:spcPts val="500"/>
+              </a:spcBef>
+              <a:buFont typeface="Arial" panose="020B0604020202020204" pitchFamily="34" charset="0"/>
+              <a:buChar char="•"/>
+              <a:defRPr sz="1800" kern="1200">
+                <a:solidFill>
+                  <a:schemeClr val="tx1"/>
+                </a:solidFill>
+                <a:latin typeface="+mn-lt"/>
+                <a:ea typeface="+mn-ea"/>
+                <a:cs typeface="+mn-cs"/>
+              </a:defRPr>
+            </a:lvl7pPr>
+            <a:lvl8pPr marL="3429000" indent="-228600" algn="l" defTabSz="914400" rtl="0" eaLnBrk="1" latinLnBrk="0" hangingPunct="1">
+              <a:lnSpc>
+                <a:spcPct val="90000"/>
+              </a:lnSpc>
+              <a:spcBef>
+                <a:spcPts val="500"/>
+              </a:spcBef>
+              <a:buFont typeface="Arial" panose="020B0604020202020204" pitchFamily="34" charset="0"/>
+              <a:buChar char="•"/>
+              <a:defRPr sz="1800" kern="1200">
+                <a:solidFill>
+                  <a:schemeClr val="tx1"/>
+                </a:solidFill>
+                <a:latin typeface="+mn-lt"/>
+                <a:ea typeface="+mn-ea"/>
+                <a:cs typeface="+mn-cs"/>
+              </a:defRPr>
+            </a:lvl8pPr>
+            <a:lvl9pPr marL="3886200" indent="-228600" algn="l" defTabSz="914400" rtl="0" eaLnBrk="1" latinLnBrk="0" hangingPunct="1">
+              <a:lnSpc>
+                <a:spcPct val="90000"/>
+              </a:lnSpc>
+              <a:spcBef>
+                <a:spcPts val="500"/>
+              </a:spcBef>
+              <a:buFont typeface="Arial" panose="020B0604020202020204" pitchFamily="34" charset="0"/>
+              <a:buChar char="•"/>
+              <a:defRPr sz="1800" kern="1200">
+                <a:solidFill>
+                  <a:schemeClr val="tx1"/>
+                </a:solidFill>
+                <a:latin typeface="+mn-lt"/>
+                <a:ea typeface="+mn-ea"/>
+                <a:cs typeface="+mn-cs"/>
+              </a:defRPr>
+            </a:lvl9pPr>
+          </a:lstStyle>
+          <a:p>
+            <a:pPr marL="285750" indent="-285750"/>
             <a:r>
               <a:rPr lang="en-US" sz="2000" dirty="0"/>
               <a:t>Covers the half of the Motherboard that carries the Carrier/Mezzanine boards</a:t>
             </a:r>
           </a:p>
           <a:p>
-            <a:pPr marL="285750" indent="-285750">
-              <a:buFont typeface="Arial" panose="020B0604020202020204" pitchFamily="34" charset="0"/>
-              <a:buChar char="•"/>
-            </a:pPr>
+            <a:pPr marL="285750" indent="-285750"/>
             <a:endParaRPr lang="en-US" sz="2000" dirty="0"/>
           </a:p>
         </p:txBody>
       </p:sp>
+      <p:sp>
+        <p:nvSpPr>
+          <p:cNvPr id="2" name="TextBox 1"/>
+          <p:cNvSpPr txBox="1"/>
+          <p:nvPr/>
+        </p:nvSpPr>
+        <p:spPr>
+          <a:xfrm>
+            <a:off x="8570794" y="4667534"/>
+            <a:ext cx="3193823" cy="369332"/>
+          </a:xfrm>
+          <a:prstGeom prst="rect">
+            <a:avLst/>
+          </a:prstGeom>
+          <a:noFill/>
+        </p:spPr>
+        <p:txBody>
+          <a:bodyPr wrap="none" rtlCol="0">
+            <a:spAutoFit/>
+          </a:bodyPr>
+          <a:lstStyle/>
+          <a:p>
+            <a:r>
+              <a:rPr lang="en-US" dirty="0"/>
+              <a:t>Outlet for the air pump out port</a:t>
+            </a:r>
+          </a:p>
+        </p:txBody>
+      </p:sp>
+      <p:cxnSp>
+        <p:nvCxnSpPr>
+          <p:cNvPr id="7" name="Straight Arrow Connector 6"/>
+          <p:cNvCxnSpPr/>
+          <p:nvPr/>
+        </p:nvCxnSpPr>
+        <p:spPr>
+          <a:xfrm flipH="1" flipV="1">
+            <a:off x="9171296" y="2879678"/>
+            <a:ext cx="832514" cy="1787857"/>
+          </a:xfrm>
+          <a:prstGeom prst="straightConnector1">
+            <a:avLst/>
+          </a:prstGeom>
+          <a:ln w="57150">
+            <a:solidFill>
+              <a:schemeClr val="tx1"/>
+            </a:solidFill>
+            <a:tailEnd type="triangle"/>
+          </a:ln>
+        </p:spPr>
+        <p:style>
+          <a:lnRef idx="1">
+            <a:schemeClr val="accent1"/>
+          </a:lnRef>
+          <a:fillRef idx="0">
+            <a:schemeClr val="accent1"/>
+          </a:fillRef>
+          <a:effectRef idx="0">
+            <a:schemeClr val="accent1"/>
+          </a:effectRef>
+          <a:fontRef idx="minor">
+            <a:schemeClr val="tx1"/>
+          </a:fontRef>
+        </p:style>
+      </p:cxnSp>
     </p:spTree>
     <p:extLst>
       <p:ext uri="{BB962C8B-B14F-4D97-AF65-F5344CB8AC3E}">
-        <p14:creationId xmlns:p14="http://schemas.microsoft.com/office/powerpoint/2010/main" val="2165784824"/>
+        <p14:creationId xmlns:p14="http://schemas.microsoft.com/office/powerpoint/2010/main" val="2217441926"/>
       </p:ext>
     </p:extLst>
   </p:cSld>
@@ -3906,13 +5224,11 @@
       </p:grpSpPr>
       <p:pic>
         <p:nvPicPr>
-          <p:cNvPr id="9" name="Content Placeholder 8"/>
+          <p:cNvPr id="3" name="Picture 2"/>
           <p:cNvPicPr>
-            <a:picLocks noGrp="1" noChangeAspect="1"/>
+            <a:picLocks noChangeAspect="1"/>
           </p:cNvPicPr>
-          <p:nvPr>
-            <p:ph idx="1"/>
-          </p:nvPr>
+          <p:nvPr/>
         </p:nvPicPr>
         <p:blipFill>
           <a:blip r:embed="rId2">
@@ -3928,94 +5244,271 @@
         </p:blipFill>
         <p:spPr>
           <a:xfrm>
-            <a:off x="-504" y="-10281"/>
-            <a:ext cx="15073864" cy="6868281"/>
+            <a:off x="1" y="425692"/>
+            <a:ext cx="12191998" cy="6006615"/>
           </a:xfrm>
+          <a:prstGeom prst="rect">
+            <a:avLst/>
+          </a:prstGeom>
         </p:spPr>
       </p:pic>
       <p:sp>
         <p:nvSpPr>
-          <p:cNvPr id="8" name="Title 1"/>
-          <p:cNvSpPr>
-            <a:spLocks noGrp="1"/>
-          </p:cNvSpPr>
-          <p:nvPr>
-            <p:ph type="title"/>
-          </p:nvPr>
+          <p:cNvPr id="4" name="Title 1"/>
+          <p:cNvSpPr txBox="1">
+            <a:spLocks/>
+          </p:cNvSpPr>
+          <p:nvPr/>
         </p:nvSpPr>
         <p:spPr>
           <a:xfrm>
-            <a:off x="839788" y="457200"/>
-            <a:ext cx="3932237" cy="1600200"/>
+            <a:off x="558435" y="425692"/>
+            <a:ext cx="5054575" cy="737036"/>
           </a:xfrm>
+          <a:prstGeom prst="rect">
+            <a:avLst/>
+          </a:prstGeom>
         </p:spPr>
         <p:txBody>
           <a:bodyPr/>
-          <a:lstStyle/>
+          <a:lstStyle>
+            <a:lvl1pPr algn="l" defTabSz="914400" rtl="0" eaLnBrk="1" latinLnBrk="0" hangingPunct="1">
+              <a:lnSpc>
+                <a:spcPct val="90000"/>
+              </a:lnSpc>
+              <a:spcBef>
+                <a:spcPct val="0"/>
+              </a:spcBef>
+              <a:buNone/>
+              <a:defRPr sz="4400" kern="1200">
+                <a:solidFill>
+                  <a:schemeClr val="tx1"/>
+                </a:solidFill>
+                <a:latin typeface="+mj-lt"/>
+                <a:ea typeface="+mj-ea"/>
+                <a:cs typeface="+mj-cs"/>
+              </a:defRPr>
+            </a:lvl1pPr>
+          </a:lstStyle>
           <a:p>
             <a:r>
               <a:rPr lang="en-US" dirty="0"/>
               <a:t>Add Lid</a:t>
             </a:r>
           </a:p>
-        </p:txBody>
-      </p:sp>
-      <p:sp>
-        <p:nvSpPr>
-          <p:cNvPr id="10" name="Text Placeholder 3"/>
-          <p:cNvSpPr>
-            <a:spLocks noGrp="1"/>
-          </p:cNvSpPr>
-          <p:nvPr>
-            <p:ph type="body" sz="half" idx="2"/>
-          </p:nvPr>
+          <a:p>
+            <a:endParaRPr lang="en-US" dirty="0"/>
+          </a:p>
+        </p:txBody>
+      </p:sp>
+      <p:sp>
+        <p:nvSpPr>
+          <p:cNvPr id="5" name="Text Placeholder 3"/>
+          <p:cNvSpPr txBox="1">
+            <a:spLocks/>
+          </p:cNvSpPr>
+          <p:nvPr/>
         </p:nvSpPr>
         <p:spPr>
           <a:xfrm>
-            <a:off x="839789" y="2057400"/>
-            <a:ext cx="2986624" cy="3811588"/>
+            <a:off x="85032" y="1162728"/>
+            <a:ext cx="2615966" cy="5269580"/>
           </a:xfrm>
+          <a:prstGeom prst="rect">
+            <a:avLst/>
+          </a:prstGeom>
         </p:spPr>
         <p:txBody>
           <a:bodyPr>
             <a:normAutofit/>
           </a:bodyPr>
-          <a:lstStyle/>
-          <a:p>
-            <a:pPr marL="285750" indent="-285750">
-              <a:buFont typeface="Arial" panose="020B0604020202020204" pitchFamily="34" charset="0"/>
-              <a:buChar char="•"/>
-            </a:pPr>
+          <a:lstStyle>
+            <a:lvl1pPr marL="228600" indent="-228600" algn="l" defTabSz="914400" rtl="0" eaLnBrk="1" latinLnBrk="0" hangingPunct="1">
+              <a:lnSpc>
+                <a:spcPct val="90000"/>
+              </a:lnSpc>
+              <a:spcBef>
+                <a:spcPts val="1000"/>
+              </a:spcBef>
+              <a:buFont typeface="Arial" panose="020B0604020202020204" pitchFamily="34" charset="0"/>
+              <a:buChar char="•"/>
+              <a:defRPr sz="2800" kern="1200">
+                <a:solidFill>
+                  <a:schemeClr val="tx1"/>
+                </a:solidFill>
+                <a:latin typeface="+mn-lt"/>
+                <a:ea typeface="+mn-ea"/>
+                <a:cs typeface="+mn-cs"/>
+              </a:defRPr>
+            </a:lvl1pPr>
+            <a:lvl2pPr marL="685800" indent="-228600" algn="l" defTabSz="914400" rtl="0" eaLnBrk="1" latinLnBrk="0" hangingPunct="1">
+              <a:lnSpc>
+                <a:spcPct val="90000"/>
+              </a:lnSpc>
+              <a:spcBef>
+                <a:spcPts val="500"/>
+              </a:spcBef>
+              <a:buFont typeface="Arial" panose="020B0604020202020204" pitchFamily="34" charset="0"/>
+              <a:buChar char="•"/>
+              <a:defRPr sz="2400" kern="1200">
+                <a:solidFill>
+                  <a:schemeClr val="tx1"/>
+                </a:solidFill>
+                <a:latin typeface="+mn-lt"/>
+                <a:ea typeface="+mn-ea"/>
+                <a:cs typeface="+mn-cs"/>
+              </a:defRPr>
+            </a:lvl2pPr>
+            <a:lvl3pPr marL="1143000" indent="-228600" algn="l" defTabSz="914400" rtl="0" eaLnBrk="1" latinLnBrk="0" hangingPunct="1">
+              <a:lnSpc>
+                <a:spcPct val="90000"/>
+              </a:lnSpc>
+              <a:spcBef>
+                <a:spcPts val="500"/>
+              </a:spcBef>
+              <a:buFont typeface="Arial" panose="020B0604020202020204" pitchFamily="34" charset="0"/>
+              <a:buChar char="•"/>
+              <a:defRPr sz="2000" kern="1200">
+                <a:solidFill>
+                  <a:schemeClr val="tx1"/>
+                </a:solidFill>
+                <a:latin typeface="+mn-lt"/>
+                <a:ea typeface="+mn-ea"/>
+                <a:cs typeface="+mn-cs"/>
+              </a:defRPr>
+            </a:lvl3pPr>
+            <a:lvl4pPr marL="1600200" indent="-228600" algn="l" defTabSz="914400" rtl="0" eaLnBrk="1" latinLnBrk="0" hangingPunct="1">
+              <a:lnSpc>
+                <a:spcPct val="90000"/>
+              </a:lnSpc>
+              <a:spcBef>
+                <a:spcPts val="500"/>
+              </a:spcBef>
+              <a:buFont typeface="Arial" panose="020B0604020202020204" pitchFamily="34" charset="0"/>
+              <a:buChar char="•"/>
+              <a:defRPr sz="1800" kern="1200">
+                <a:solidFill>
+                  <a:schemeClr val="tx1"/>
+                </a:solidFill>
+                <a:latin typeface="+mn-lt"/>
+                <a:ea typeface="+mn-ea"/>
+                <a:cs typeface="+mn-cs"/>
+              </a:defRPr>
+            </a:lvl4pPr>
+            <a:lvl5pPr marL="2057400" indent="-228600" algn="l" defTabSz="914400" rtl="0" eaLnBrk="1" latinLnBrk="0" hangingPunct="1">
+              <a:lnSpc>
+                <a:spcPct val="90000"/>
+              </a:lnSpc>
+              <a:spcBef>
+                <a:spcPts val="500"/>
+              </a:spcBef>
+              <a:buFont typeface="Arial" panose="020B0604020202020204" pitchFamily="34" charset="0"/>
+              <a:buChar char="•"/>
+              <a:defRPr sz="1800" kern="1200">
+                <a:solidFill>
+                  <a:schemeClr val="tx1"/>
+                </a:solidFill>
+                <a:latin typeface="+mn-lt"/>
+                <a:ea typeface="+mn-ea"/>
+                <a:cs typeface="+mn-cs"/>
+              </a:defRPr>
+            </a:lvl5pPr>
+            <a:lvl6pPr marL="2514600" indent="-228600" algn="l" defTabSz="914400" rtl="0" eaLnBrk="1" latinLnBrk="0" hangingPunct="1">
+              <a:lnSpc>
+                <a:spcPct val="90000"/>
+              </a:lnSpc>
+              <a:spcBef>
+                <a:spcPts val="500"/>
+              </a:spcBef>
+              <a:buFont typeface="Arial" panose="020B0604020202020204" pitchFamily="34" charset="0"/>
+              <a:buChar char="•"/>
+              <a:defRPr sz="1800" kern="1200">
+                <a:solidFill>
+                  <a:schemeClr val="tx1"/>
+                </a:solidFill>
+                <a:latin typeface="+mn-lt"/>
+                <a:ea typeface="+mn-ea"/>
+                <a:cs typeface="+mn-cs"/>
+              </a:defRPr>
+            </a:lvl6pPr>
+            <a:lvl7pPr marL="2971800" indent="-228600" algn="l" defTabSz="914400" rtl="0" eaLnBrk="1" latinLnBrk="0" hangingPunct="1">
+              <a:lnSpc>
+                <a:spcPct val="90000"/>
+              </a:lnSpc>
+              <a:spcBef>
+                <a:spcPts val="500"/>
+              </a:spcBef>
+              <a:buFont typeface="Arial" panose="020B0604020202020204" pitchFamily="34" charset="0"/>
+              <a:buChar char="•"/>
+              <a:defRPr sz="1800" kern="1200">
+                <a:solidFill>
+                  <a:schemeClr val="tx1"/>
+                </a:solidFill>
+                <a:latin typeface="+mn-lt"/>
+                <a:ea typeface="+mn-ea"/>
+                <a:cs typeface="+mn-cs"/>
+              </a:defRPr>
+            </a:lvl7pPr>
+            <a:lvl8pPr marL="3429000" indent="-228600" algn="l" defTabSz="914400" rtl="0" eaLnBrk="1" latinLnBrk="0" hangingPunct="1">
+              <a:lnSpc>
+                <a:spcPct val="90000"/>
+              </a:lnSpc>
+              <a:spcBef>
+                <a:spcPts val="500"/>
+              </a:spcBef>
+              <a:buFont typeface="Arial" panose="020B0604020202020204" pitchFamily="34" charset="0"/>
+              <a:buChar char="•"/>
+              <a:defRPr sz="1800" kern="1200">
+                <a:solidFill>
+                  <a:schemeClr val="tx1"/>
+                </a:solidFill>
+                <a:latin typeface="+mn-lt"/>
+                <a:ea typeface="+mn-ea"/>
+                <a:cs typeface="+mn-cs"/>
+              </a:defRPr>
+            </a:lvl8pPr>
+            <a:lvl9pPr marL="3886200" indent="-228600" algn="l" defTabSz="914400" rtl="0" eaLnBrk="1" latinLnBrk="0" hangingPunct="1">
+              <a:lnSpc>
+                <a:spcPct val="90000"/>
+              </a:lnSpc>
+              <a:spcBef>
+                <a:spcPts val="500"/>
+              </a:spcBef>
+              <a:buFont typeface="Arial" panose="020B0604020202020204" pitchFamily="34" charset="0"/>
+              <a:buChar char="•"/>
+              <a:defRPr sz="1800" kern="1200">
+                <a:solidFill>
+                  <a:schemeClr val="tx1"/>
+                </a:solidFill>
+                <a:latin typeface="+mn-lt"/>
+                <a:ea typeface="+mn-ea"/>
+                <a:cs typeface="+mn-cs"/>
+              </a:defRPr>
+            </a:lvl9pPr>
+          </a:lstStyle>
+          <a:p>
+            <a:pPr marL="285750" indent="-285750"/>
             <a:r>
               <a:rPr lang="en-US" sz="2000" dirty="0"/>
               <a:t>Covers the half of the Motherboard that carries the Carrier/Mezzanine boards</a:t>
             </a:r>
           </a:p>
           <a:p>
-            <a:pPr marL="285750" indent="-285750">
-              <a:buFont typeface="Arial" panose="020B0604020202020204" pitchFamily="34" charset="0"/>
-              <a:buChar char="•"/>
-            </a:pPr>
+            <a:pPr marL="285750" indent="-285750"/>
             <a:r>
               <a:rPr lang="en-US" sz="2000" dirty="0"/>
-              <a:t>Screwed into the base in 3 spots</a:t>
-            </a:r>
-          </a:p>
-          <a:p>
-            <a:pPr marL="285750" indent="-285750">
-              <a:buFont typeface="Arial" panose="020B0604020202020204" pitchFamily="34" charset="0"/>
-              <a:buChar char="•"/>
-            </a:pPr>
+              <a:t>Attached to the base in 3 spots</a:t>
+            </a:r>
+          </a:p>
+          <a:p>
+            <a:pPr marL="285750" indent="-285750"/>
             <a:r>
               <a:rPr lang="en-US" sz="2000" dirty="0"/>
               <a:t>Untapped holes through the lid and tapped on the base</a:t>
             </a:r>
           </a:p>
           <a:p>
-            <a:pPr marL="285750" indent="-285750">
-              <a:buFont typeface="Arial" panose="020B0604020202020204" pitchFamily="34" charset="0"/>
-              <a:buChar char="•"/>
-            </a:pPr>
+            <a:pPr marL="285750" indent="-285750"/>
             <a:endParaRPr lang="en-US" sz="2000" dirty="0"/>
           </a:p>
         </p:txBody>
@@ -4023,7 +5516,7 @@
     </p:spTree>
     <p:extLst>
       <p:ext uri="{BB962C8B-B14F-4D97-AF65-F5344CB8AC3E}">
-        <p14:creationId xmlns:p14="http://schemas.microsoft.com/office/powerpoint/2010/main" val="344642885"/>
+        <p14:creationId xmlns:p14="http://schemas.microsoft.com/office/powerpoint/2010/main" val="3208235889"/>
       </p:ext>
     </p:extLst>
   </p:cSld>
@@ -4052,13 +5545,11 @@
       </p:grpSpPr>
       <p:pic>
         <p:nvPicPr>
-          <p:cNvPr id="9" name="Content Placeholder 8"/>
+          <p:cNvPr id="3" name="Picture 2"/>
           <p:cNvPicPr>
-            <a:picLocks noGrp="1" noChangeAspect="1"/>
+            <a:picLocks noChangeAspect="1"/>
           </p:cNvPicPr>
-          <p:nvPr>
-            <p:ph idx="1"/>
-          </p:nvPr>
+          <p:nvPr/>
         </p:nvPicPr>
         <p:blipFill>
           <a:blip r:embed="rId2">
@@ -4074,94 +5565,271 @@
         </p:blipFill>
         <p:spPr>
           <a:xfrm>
-            <a:off x="-504" y="-10281"/>
-            <a:ext cx="15073864" cy="6868281"/>
+            <a:off x="1" y="425692"/>
+            <a:ext cx="12191998" cy="6006615"/>
           </a:xfrm>
+          <a:prstGeom prst="rect">
+            <a:avLst/>
+          </a:prstGeom>
         </p:spPr>
       </p:pic>
       <p:sp>
         <p:nvSpPr>
-          <p:cNvPr id="7" name="Title 1"/>
-          <p:cNvSpPr>
-            <a:spLocks noGrp="1"/>
-          </p:cNvSpPr>
-          <p:nvPr>
-            <p:ph type="title"/>
-          </p:nvPr>
+          <p:cNvPr id="4" name="Title 1"/>
+          <p:cNvSpPr txBox="1">
+            <a:spLocks/>
+          </p:cNvSpPr>
+          <p:nvPr/>
         </p:nvSpPr>
         <p:spPr>
           <a:xfrm>
-            <a:off x="839788" y="457200"/>
-            <a:ext cx="3932237" cy="1600200"/>
+            <a:off x="558435" y="425692"/>
+            <a:ext cx="5054575" cy="737036"/>
           </a:xfrm>
+          <a:prstGeom prst="rect">
+            <a:avLst/>
+          </a:prstGeom>
         </p:spPr>
         <p:txBody>
           <a:bodyPr/>
-          <a:lstStyle/>
+          <a:lstStyle>
+            <a:lvl1pPr algn="l" defTabSz="914400" rtl="0" eaLnBrk="1" latinLnBrk="0" hangingPunct="1">
+              <a:lnSpc>
+                <a:spcPct val="90000"/>
+              </a:lnSpc>
+              <a:spcBef>
+                <a:spcPct val="0"/>
+              </a:spcBef>
+              <a:buNone/>
+              <a:defRPr sz="4400" kern="1200">
+                <a:solidFill>
+                  <a:schemeClr val="tx1"/>
+                </a:solidFill>
+                <a:latin typeface="+mj-lt"/>
+                <a:ea typeface="+mj-ea"/>
+                <a:cs typeface="+mj-cs"/>
+              </a:defRPr>
+            </a:lvl1pPr>
+          </a:lstStyle>
           <a:p>
             <a:r>
               <a:rPr lang="en-US" dirty="0"/>
               <a:t>Add Lid</a:t>
             </a:r>
           </a:p>
-        </p:txBody>
-      </p:sp>
-      <p:sp>
-        <p:nvSpPr>
-          <p:cNvPr id="8" name="Text Placeholder 3"/>
-          <p:cNvSpPr>
-            <a:spLocks noGrp="1"/>
-          </p:cNvSpPr>
-          <p:nvPr>
-            <p:ph type="body" sz="half" idx="2"/>
-          </p:nvPr>
+          <a:p>
+            <a:endParaRPr lang="en-US" dirty="0"/>
+          </a:p>
+        </p:txBody>
+      </p:sp>
+      <p:sp>
+        <p:nvSpPr>
+          <p:cNvPr id="5" name="Text Placeholder 3"/>
+          <p:cNvSpPr txBox="1">
+            <a:spLocks/>
+          </p:cNvSpPr>
+          <p:nvPr/>
         </p:nvSpPr>
         <p:spPr>
           <a:xfrm>
-            <a:off x="839788" y="2057400"/>
-            <a:ext cx="3000692" cy="3811588"/>
+            <a:off x="85032" y="1162728"/>
+            <a:ext cx="2615966" cy="5269580"/>
           </a:xfrm>
+          <a:prstGeom prst="rect">
+            <a:avLst/>
+          </a:prstGeom>
         </p:spPr>
         <p:txBody>
           <a:bodyPr>
             <a:normAutofit/>
           </a:bodyPr>
-          <a:lstStyle/>
-          <a:p>
-            <a:pPr marL="285750" indent="-285750">
-              <a:buFont typeface="Arial" panose="020B0604020202020204" pitchFamily="34" charset="0"/>
-              <a:buChar char="•"/>
-            </a:pPr>
+          <a:lstStyle>
+            <a:lvl1pPr marL="228600" indent="-228600" algn="l" defTabSz="914400" rtl="0" eaLnBrk="1" latinLnBrk="0" hangingPunct="1">
+              <a:lnSpc>
+                <a:spcPct val="90000"/>
+              </a:lnSpc>
+              <a:spcBef>
+                <a:spcPts val="1000"/>
+              </a:spcBef>
+              <a:buFont typeface="Arial" panose="020B0604020202020204" pitchFamily="34" charset="0"/>
+              <a:buChar char="•"/>
+              <a:defRPr sz="2800" kern="1200">
+                <a:solidFill>
+                  <a:schemeClr val="tx1"/>
+                </a:solidFill>
+                <a:latin typeface="+mn-lt"/>
+                <a:ea typeface="+mn-ea"/>
+                <a:cs typeface="+mn-cs"/>
+              </a:defRPr>
+            </a:lvl1pPr>
+            <a:lvl2pPr marL="685800" indent="-228600" algn="l" defTabSz="914400" rtl="0" eaLnBrk="1" latinLnBrk="0" hangingPunct="1">
+              <a:lnSpc>
+                <a:spcPct val="90000"/>
+              </a:lnSpc>
+              <a:spcBef>
+                <a:spcPts val="500"/>
+              </a:spcBef>
+              <a:buFont typeface="Arial" panose="020B0604020202020204" pitchFamily="34" charset="0"/>
+              <a:buChar char="•"/>
+              <a:defRPr sz="2400" kern="1200">
+                <a:solidFill>
+                  <a:schemeClr val="tx1"/>
+                </a:solidFill>
+                <a:latin typeface="+mn-lt"/>
+                <a:ea typeface="+mn-ea"/>
+                <a:cs typeface="+mn-cs"/>
+              </a:defRPr>
+            </a:lvl2pPr>
+            <a:lvl3pPr marL="1143000" indent="-228600" algn="l" defTabSz="914400" rtl="0" eaLnBrk="1" latinLnBrk="0" hangingPunct="1">
+              <a:lnSpc>
+                <a:spcPct val="90000"/>
+              </a:lnSpc>
+              <a:spcBef>
+                <a:spcPts val="500"/>
+              </a:spcBef>
+              <a:buFont typeface="Arial" panose="020B0604020202020204" pitchFamily="34" charset="0"/>
+              <a:buChar char="•"/>
+              <a:defRPr sz="2000" kern="1200">
+                <a:solidFill>
+                  <a:schemeClr val="tx1"/>
+                </a:solidFill>
+                <a:latin typeface="+mn-lt"/>
+                <a:ea typeface="+mn-ea"/>
+                <a:cs typeface="+mn-cs"/>
+              </a:defRPr>
+            </a:lvl3pPr>
+            <a:lvl4pPr marL="1600200" indent="-228600" algn="l" defTabSz="914400" rtl="0" eaLnBrk="1" latinLnBrk="0" hangingPunct="1">
+              <a:lnSpc>
+                <a:spcPct val="90000"/>
+              </a:lnSpc>
+              <a:spcBef>
+                <a:spcPts val="500"/>
+              </a:spcBef>
+              <a:buFont typeface="Arial" panose="020B0604020202020204" pitchFamily="34" charset="0"/>
+              <a:buChar char="•"/>
+              <a:defRPr sz="1800" kern="1200">
+                <a:solidFill>
+                  <a:schemeClr val="tx1"/>
+                </a:solidFill>
+                <a:latin typeface="+mn-lt"/>
+                <a:ea typeface="+mn-ea"/>
+                <a:cs typeface="+mn-cs"/>
+              </a:defRPr>
+            </a:lvl4pPr>
+            <a:lvl5pPr marL="2057400" indent="-228600" algn="l" defTabSz="914400" rtl="0" eaLnBrk="1" latinLnBrk="0" hangingPunct="1">
+              <a:lnSpc>
+                <a:spcPct val="90000"/>
+              </a:lnSpc>
+              <a:spcBef>
+                <a:spcPts val="500"/>
+              </a:spcBef>
+              <a:buFont typeface="Arial" panose="020B0604020202020204" pitchFamily="34" charset="0"/>
+              <a:buChar char="•"/>
+              <a:defRPr sz="1800" kern="1200">
+                <a:solidFill>
+                  <a:schemeClr val="tx1"/>
+                </a:solidFill>
+                <a:latin typeface="+mn-lt"/>
+                <a:ea typeface="+mn-ea"/>
+                <a:cs typeface="+mn-cs"/>
+              </a:defRPr>
+            </a:lvl5pPr>
+            <a:lvl6pPr marL="2514600" indent="-228600" algn="l" defTabSz="914400" rtl="0" eaLnBrk="1" latinLnBrk="0" hangingPunct="1">
+              <a:lnSpc>
+                <a:spcPct val="90000"/>
+              </a:lnSpc>
+              <a:spcBef>
+                <a:spcPts val="500"/>
+              </a:spcBef>
+              <a:buFont typeface="Arial" panose="020B0604020202020204" pitchFamily="34" charset="0"/>
+              <a:buChar char="•"/>
+              <a:defRPr sz="1800" kern="1200">
+                <a:solidFill>
+                  <a:schemeClr val="tx1"/>
+                </a:solidFill>
+                <a:latin typeface="+mn-lt"/>
+                <a:ea typeface="+mn-ea"/>
+                <a:cs typeface="+mn-cs"/>
+              </a:defRPr>
+            </a:lvl6pPr>
+            <a:lvl7pPr marL="2971800" indent="-228600" algn="l" defTabSz="914400" rtl="0" eaLnBrk="1" latinLnBrk="0" hangingPunct="1">
+              <a:lnSpc>
+                <a:spcPct val="90000"/>
+              </a:lnSpc>
+              <a:spcBef>
+                <a:spcPts val="500"/>
+              </a:spcBef>
+              <a:buFont typeface="Arial" panose="020B0604020202020204" pitchFamily="34" charset="0"/>
+              <a:buChar char="•"/>
+              <a:defRPr sz="1800" kern="1200">
+                <a:solidFill>
+                  <a:schemeClr val="tx1"/>
+                </a:solidFill>
+                <a:latin typeface="+mn-lt"/>
+                <a:ea typeface="+mn-ea"/>
+                <a:cs typeface="+mn-cs"/>
+              </a:defRPr>
+            </a:lvl7pPr>
+            <a:lvl8pPr marL="3429000" indent="-228600" algn="l" defTabSz="914400" rtl="0" eaLnBrk="1" latinLnBrk="0" hangingPunct="1">
+              <a:lnSpc>
+                <a:spcPct val="90000"/>
+              </a:lnSpc>
+              <a:spcBef>
+                <a:spcPts val="500"/>
+              </a:spcBef>
+              <a:buFont typeface="Arial" panose="020B0604020202020204" pitchFamily="34" charset="0"/>
+              <a:buChar char="•"/>
+              <a:defRPr sz="1800" kern="1200">
+                <a:solidFill>
+                  <a:schemeClr val="tx1"/>
+                </a:solidFill>
+                <a:latin typeface="+mn-lt"/>
+                <a:ea typeface="+mn-ea"/>
+                <a:cs typeface="+mn-cs"/>
+              </a:defRPr>
+            </a:lvl8pPr>
+            <a:lvl9pPr marL="3886200" indent="-228600" algn="l" defTabSz="914400" rtl="0" eaLnBrk="1" latinLnBrk="0" hangingPunct="1">
+              <a:lnSpc>
+                <a:spcPct val="90000"/>
+              </a:lnSpc>
+              <a:spcBef>
+                <a:spcPts val="500"/>
+              </a:spcBef>
+              <a:buFont typeface="Arial" panose="020B0604020202020204" pitchFamily="34" charset="0"/>
+              <a:buChar char="•"/>
+              <a:defRPr sz="1800" kern="1200">
+                <a:solidFill>
+                  <a:schemeClr val="tx1"/>
+                </a:solidFill>
+                <a:latin typeface="+mn-lt"/>
+                <a:ea typeface="+mn-ea"/>
+                <a:cs typeface="+mn-cs"/>
+              </a:defRPr>
+            </a:lvl9pPr>
+          </a:lstStyle>
+          <a:p>
+            <a:pPr marL="285750" indent="-285750"/>
             <a:r>
               <a:rPr lang="en-US" sz="2000" dirty="0"/>
               <a:t>Covers the half of the Motherboard that carries the Carrier/Mezzanine boards</a:t>
             </a:r>
           </a:p>
           <a:p>
-            <a:pPr marL="285750" indent="-285750">
-              <a:buFont typeface="Arial" panose="020B0604020202020204" pitchFamily="34" charset="0"/>
-              <a:buChar char="•"/>
-            </a:pPr>
+            <a:pPr marL="285750" indent="-285750"/>
             <a:r>
               <a:rPr lang="en-US" sz="2000" dirty="0"/>
-              <a:t>Screwed into the base in 3 spots</a:t>
-            </a:r>
-          </a:p>
-          <a:p>
-            <a:pPr marL="285750" indent="-285750">
-              <a:buFont typeface="Arial" panose="020B0604020202020204" pitchFamily="34" charset="0"/>
-              <a:buChar char="•"/>
-            </a:pPr>
+              <a:t>Attached to the base in 3 spots</a:t>
+            </a:r>
+          </a:p>
+          <a:p>
+            <a:pPr marL="285750" indent="-285750"/>
             <a:r>
               <a:rPr lang="en-US" sz="2000" dirty="0"/>
               <a:t>Untapped holes through the lid and tapped on the base</a:t>
             </a:r>
           </a:p>
           <a:p>
-            <a:pPr marL="285750" indent="-285750">
-              <a:buFont typeface="Arial" panose="020B0604020202020204" pitchFamily="34" charset="0"/>
-              <a:buChar char="•"/>
-            </a:pPr>
+            <a:pPr marL="285750" indent="-285750"/>
             <a:endParaRPr lang="en-US" sz="2000" dirty="0"/>
           </a:p>
         </p:txBody>
@@ -4169,7 +5837,7 @@
     </p:spTree>
     <p:extLst>
       <p:ext uri="{BB962C8B-B14F-4D97-AF65-F5344CB8AC3E}">
-        <p14:creationId xmlns:p14="http://schemas.microsoft.com/office/powerpoint/2010/main" val="843053100"/>
+        <p14:creationId xmlns:p14="http://schemas.microsoft.com/office/powerpoint/2010/main" val="1807344055"/>
       </p:ext>
     </p:extLst>
   </p:cSld>
@@ -4198,13 +5866,11 @@
       </p:grpSpPr>
       <p:pic>
         <p:nvPicPr>
-          <p:cNvPr id="9" name="Content Placeholder 8"/>
+          <p:cNvPr id="3" name="Picture 2"/>
           <p:cNvPicPr>
-            <a:picLocks noGrp="1" noChangeAspect="1"/>
+            <a:picLocks noChangeAspect="1"/>
           </p:cNvPicPr>
-          <p:nvPr>
-            <p:ph idx="1"/>
-          </p:nvPr>
+          <p:nvPr/>
         </p:nvPicPr>
         <p:blipFill>
           <a:blip r:embed="rId2">
@@ -4220,25 +5886,52 @@
         </p:blipFill>
         <p:spPr>
           <a:xfrm>
-            <a:off x="-504" y="-10281"/>
-            <a:ext cx="15073864" cy="6868281"/>
+            <a:off x="1" y="425692"/>
+            <a:ext cx="12191998" cy="6006615"/>
           </a:xfrm>
+          <a:prstGeom prst="rect">
+            <a:avLst/>
+          </a:prstGeom>
         </p:spPr>
       </p:pic>
       <p:sp>
         <p:nvSpPr>
-          <p:cNvPr id="2" name="Title 1"/>
-          <p:cNvSpPr>
-            <a:spLocks noGrp="1"/>
-          </p:cNvSpPr>
-          <p:nvPr>
-            <p:ph type="title"/>
-          </p:nvPr>
-        </p:nvSpPr>
-        <p:spPr/>
+          <p:cNvPr id="4" name="Title 1"/>
+          <p:cNvSpPr txBox="1">
+            <a:spLocks/>
+          </p:cNvSpPr>
+          <p:nvPr/>
+        </p:nvSpPr>
+        <p:spPr>
+          <a:xfrm>
+            <a:off x="558435" y="425692"/>
+            <a:ext cx="5054575" cy="737036"/>
+          </a:xfrm>
+          <a:prstGeom prst="rect">
+            <a:avLst/>
+          </a:prstGeom>
+        </p:spPr>
         <p:txBody>
           <a:bodyPr/>
-          <a:lstStyle/>
+          <a:lstStyle>
+            <a:lvl1pPr algn="l" defTabSz="914400" rtl="0" eaLnBrk="1" latinLnBrk="0" hangingPunct="1">
+              <a:lnSpc>
+                <a:spcPct val="90000"/>
+              </a:lnSpc>
+              <a:spcBef>
+                <a:spcPct val="0"/>
+              </a:spcBef>
+              <a:buNone/>
+              <a:defRPr sz="4400" kern="1200">
+                <a:solidFill>
+                  <a:schemeClr val="tx1"/>
+                </a:solidFill>
+                <a:latin typeface="+mj-lt"/>
+                <a:ea typeface="+mj-ea"/>
+                <a:cs typeface="+mj-cs"/>
+              </a:defRPr>
+            </a:lvl1pPr>
+          </a:lstStyle>
           <a:p>
             <a:r>
               <a:rPr lang="en-US" dirty="0"/>
@@ -4249,70 +5942,219 @@
       </p:sp>
       <p:sp>
         <p:nvSpPr>
-          <p:cNvPr id="4" name="Text Placeholder 3"/>
-          <p:cNvSpPr>
-            <a:spLocks noGrp="1"/>
-          </p:cNvSpPr>
-          <p:nvPr>
-            <p:ph type="body" sz="half" idx="2"/>
-          </p:nvPr>
+          <p:cNvPr id="5" name="Text Placeholder 3"/>
+          <p:cNvSpPr txBox="1">
+            <a:spLocks/>
+          </p:cNvSpPr>
+          <p:nvPr/>
         </p:nvSpPr>
         <p:spPr>
           <a:xfrm>
-            <a:off x="839789" y="2057400"/>
-            <a:ext cx="2986624" cy="3811588"/>
+            <a:off x="85032" y="1162728"/>
+            <a:ext cx="2615966" cy="5269580"/>
           </a:xfrm>
+          <a:prstGeom prst="rect">
+            <a:avLst/>
+          </a:prstGeom>
         </p:spPr>
         <p:txBody>
           <a:bodyPr>
             <a:normAutofit/>
           </a:bodyPr>
-          <a:lstStyle/>
-          <a:p>
-            <a:pPr marL="285750" indent="-285750">
-              <a:buFont typeface="Arial" panose="020B0604020202020204" pitchFamily="34" charset="0"/>
-              <a:buChar char="•"/>
-            </a:pPr>
+          <a:lstStyle>
+            <a:lvl1pPr marL="228600" indent="-228600" algn="l" defTabSz="914400" rtl="0" eaLnBrk="1" latinLnBrk="0" hangingPunct="1">
+              <a:lnSpc>
+                <a:spcPct val="90000"/>
+              </a:lnSpc>
+              <a:spcBef>
+                <a:spcPts val="1000"/>
+              </a:spcBef>
+              <a:buFont typeface="Arial" panose="020B0604020202020204" pitchFamily="34" charset="0"/>
+              <a:buChar char="•"/>
+              <a:defRPr sz="2800" kern="1200">
+                <a:solidFill>
+                  <a:schemeClr val="tx1"/>
+                </a:solidFill>
+                <a:latin typeface="+mn-lt"/>
+                <a:ea typeface="+mn-ea"/>
+                <a:cs typeface="+mn-cs"/>
+              </a:defRPr>
+            </a:lvl1pPr>
+            <a:lvl2pPr marL="685800" indent="-228600" algn="l" defTabSz="914400" rtl="0" eaLnBrk="1" latinLnBrk="0" hangingPunct="1">
+              <a:lnSpc>
+                <a:spcPct val="90000"/>
+              </a:lnSpc>
+              <a:spcBef>
+                <a:spcPts val="500"/>
+              </a:spcBef>
+              <a:buFont typeface="Arial" panose="020B0604020202020204" pitchFamily="34" charset="0"/>
+              <a:buChar char="•"/>
+              <a:defRPr sz="2400" kern="1200">
+                <a:solidFill>
+                  <a:schemeClr val="tx1"/>
+                </a:solidFill>
+                <a:latin typeface="+mn-lt"/>
+                <a:ea typeface="+mn-ea"/>
+                <a:cs typeface="+mn-cs"/>
+              </a:defRPr>
+            </a:lvl2pPr>
+            <a:lvl3pPr marL="1143000" indent="-228600" algn="l" defTabSz="914400" rtl="0" eaLnBrk="1" latinLnBrk="0" hangingPunct="1">
+              <a:lnSpc>
+                <a:spcPct val="90000"/>
+              </a:lnSpc>
+              <a:spcBef>
+                <a:spcPts val="500"/>
+              </a:spcBef>
+              <a:buFont typeface="Arial" panose="020B0604020202020204" pitchFamily="34" charset="0"/>
+              <a:buChar char="•"/>
+              <a:defRPr sz="2000" kern="1200">
+                <a:solidFill>
+                  <a:schemeClr val="tx1"/>
+                </a:solidFill>
+                <a:latin typeface="+mn-lt"/>
+                <a:ea typeface="+mn-ea"/>
+                <a:cs typeface="+mn-cs"/>
+              </a:defRPr>
+            </a:lvl3pPr>
+            <a:lvl4pPr marL="1600200" indent="-228600" algn="l" defTabSz="914400" rtl="0" eaLnBrk="1" latinLnBrk="0" hangingPunct="1">
+              <a:lnSpc>
+                <a:spcPct val="90000"/>
+              </a:lnSpc>
+              <a:spcBef>
+                <a:spcPts val="500"/>
+              </a:spcBef>
+              <a:buFont typeface="Arial" panose="020B0604020202020204" pitchFamily="34" charset="0"/>
+              <a:buChar char="•"/>
+              <a:defRPr sz="1800" kern="1200">
+                <a:solidFill>
+                  <a:schemeClr val="tx1"/>
+                </a:solidFill>
+                <a:latin typeface="+mn-lt"/>
+                <a:ea typeface="+mn-ea"/>
+                <a:cs typeface="+mn-cs"/>
+              </a:defRPr>
+            </a:lvl4pPr>
+            <a:lvl5pPr marL="2057400" indent="-228600" algn="l" defTabSz="914400" rtl="0" eaLnBrk="1" latinLnBrk="0" hangingPunct="1">
+              <a:lnSpc>
+                <a:spcPct val="90000"/>
+              </a:lnSpc>
+              <a:spcBef>
+                <a:spcPts val="500"/>
+              </a:spcBef>
+              <a:buFont typeface="Arial" panose="020B0604020202020204" pitchFamily="34" charset="0"/>
+              <a:buChar char="•"/>
+              <a:defRPr sz="1800" kern="1200">
+                <a:solidFill>
+                  <a:schemeClr val="tx1"/>
+                </a:solidFill>
+                <a:latin typeface="+mn-lt"/>
+                <a:ea typeface="+mn-ea"/>
+                <a:cs typeface="+mn-cs"/>
+              </a:defRPr>
+            </a:lvl5pPr>
+            <a:lvl6pPr marL="2514600" indent="-228600" algn="l" defTabSz="914400" rtl="0" eaLnBrk="1" latinLnBrk="0" hangingPunct="1">
+              <a:lnSpc>
+                <a:spcPct val="90000"/>
+              </a:lnSpc>
+              <a:spcBef>
+                <a:spcPts val="500"/>
+              </a:spcBef>
+              <a:buFont typeface="Arial" panose="020B0604020202020204" pitchFamily="34" charset="0"/>
+              <a:buChar char="•"/>
+              <a:defRPr sz="1800" kern="1200">
+                <a:solidFill>
+                  <a:schemeClr val="tx1"/>
+                </a:solidFill>
+                <a:latin typeface="+mn-lt"/>
+                <a:ea typeface="+mn-ea"/>
+                <a:cs typeface="+mn-cs"/>
+              </a:defRPr>
+            </a:lvl6pPr>
+            <a:lvl7pPr marL="2971800" indent="-228600" algn="l" defTabSz="914400" rtl="0" eaLnBrk="1" latinLnBrk="0" hangingPunct="1">
+              <a:lnSpc>
+                <a:spcPct val="90000"/>
+              </a:lnSpc>
+              <a:spcBef>
+                <a:spcPts val="500"/>
+              </a:spcBef>
+              <a:buFont typeface="Arial" panose="020B0604020202020204" pitchFamily="34" charset="0"/>
+              <a:buChar char="•"/>
+              <a:defRPr sz="1800" kern="1200">
+                <a:solidFill>
+                  <a:schemeClr val="tx1"/>
+                </a:solidFill>
+                <a:latin typeface="+mn-lt"/>
+                <a:ea typeface="+mn-ea"/>
+                <a:cs typeface="+mn-cs"/>
+              </a:defRPr>
+            </a:lvl7pPr>
+            <a:lvl8pPr marL="3429000" indent="-228600" algn="l" defTabSz="914400" rtl="0" eaLnBrk="1" latinLnBrk="0" hangingPunct="1">
+              <a:lnSpc>
+                <a:spcPct val="90000"/>
+              </a:lnSpc>
+              <a:spcBef>
+                <a:spcPts val="500"/>
+              </a:spcBef>
+              <a:buFont typeface="Arial" panose="020B0604020202020204" pitchFamily="34" charset="0"/>
+              <a:buChar char="•"/>
+              <a:defRPr sz="1800" kern="1200">
+                <a:solidFill>
+                  <a:schemeClr val="tx1"/>
+                </a:solidFill>
+                <a:latin typeface="+mn-lt"/>
+                <a:ea typeface="+mn-ea"/>
+                <a:cs typeface="+mn-cs"/>
+              </a:defRPr>
+            </a:lvl8pPr>
+            <a:lvl9pPr marL="3886200" indent="-228600" algn="l" defTabSz="914400" rtl="0" eaLnBrk="1" latinLnBrk="0" hangingPunct="1">
+              <a:lnSpc>
+                <a:spcPct val="90000"/>
+              </a:lnSpc>
+              <a:spcBef>
+                <a:spcPts val="500"/>
+              </a:spcBef>
+              <a:buFont typeface="Arial" panose="020B0604020202020204" pitchFamily="34" charset="0"/>
+              <a:buChar char="•"/>
+              <a:defRPr sz="1800" kern="1200">
+                <a:solidFill>
+                  <a:schemeClr val="tx1"/>
+                </a:solidFill>
+                <a:latin typeface="+mn-lt"/>
+                <a:ea typeface="+mn-ea"/>
+                <a:cs typeface="+mn-cs"/>
+              </a:defRPr>
+            </a:lvl9pPr>
+          </a:lstStyle>
+          <a:p>
+            <a:pPr marL="285750" indent="-285750"/>
             <a:r>
               <a:rPr lang="en-US" sz="2000" dirty="0"/>
               <a:t>4 screws, 1 in each corner</a:t>
             </a:r>
           </a:p>
           <a:p>
-            <a:pPr marL="285750" indent="-285750">
-              <a:buFont typeface="Arial" panose="020B0604020202020204" pitchFamily="34" charset="0"/>
-              <a:buChar char="•"/>
-            </a:pPr>
+            <a:pPr marL="285750" indent="-285750"/>
             <a:r>
               <a:rPr lang="en-US" sz="2000" dirty="0"/>
               <a:t>Untapped holes through lid and base</a:t>
             </a:r>
           </a:p>
           <a:p>
-            <a:pPr marL="285750" indent="-285750">
-              <a:buFont typeface="Arial" panose="020B0604020202020204" pitchFamily="34" charset="0"/>
-              <a:buChar char="•"/>
-            </a:pPr>
+            <a:pPr marL="285750" indent="-285750"/>
             <a:r>
               <a:rPr lang="en-US" sz="2000" dirty="0"/>
               <a:t>Dewar 4K plate has tapped holes</a:t>
             </a:r>
           </a:p>
           <a:p>
-            <a:pPr marL="285750" indent="-285750">
-              <a:buFont typeface="Arial" panose="020B0604020202020204" pitchFamily="34" charset="0"/>
-              <a:buChar char="•"/>
-            </a:pPr>
+            <a:pPr marL="285750" indent="-285750"/>
             <a:r>
               <a:rPr lang="en-US" sz="2000" dirty="0"/>
               <a:t>Screws are 5x10”</a:t>
             </a:r>
           </a:p>
           <a:p>
-            <a:pPr marL="285750" indent="-285750">
-              <a:buFont typeface="Arial" panose="020B0604020202020204" pitchFamily="34" charset="0"/>
-              <a:buChar char="•"/>
-            </a:pPr>
+            <a:pPr marL="285750" indent="-285750"/>
             <a:endParaRPr lang="en-US" sz="2000" dirty="0"/>
           </a:p>
         </p:txBody>
@@ -4320,7 +6162,7 @@
     </p:spTree>
     <p:extLst>
       <p:ext uri="{BB962C8B-B14F-4D97-AF65-F5344CB8AC3E}">
-        <p14:creationId xmlns:p14="http://schemas.microsoft.com/office/powerpoint/2010/main" val="1885516950"/>
+        <p14:creationId xmlns:p14="http://schemas.microsoft.com/office/powerpoint/2010/main" val="212177230"/>
       </p:ext>
     </p:extLst>
   </p:cSld>

--- a/170828_Assembly.pptx
+++ b/170828_Assembly.pptx
@@ -15,6 +15,8 @@
     <p:sldId id="275" r:id="rId9"/>
     <p:sldId id="276" r:id="rId10"/>
     <p:sldId id="277" r:id="rId11"/>
+    <p:sldId id="278" r:id="rId12"/>
+    <p:sldId id="279" r:id="rId13"/>
   </p:sldIdLst>
   <p:sldSz cx="12192000" cy="6858000"/>
   <p:notesSz cx="6858000" cy="9144000"/>
@@ -3334,7 +3336,6 @@
               <a:rPr lang="en-US" dirty="0"/>
               <a:t>Connect to Dewar</a:t>
             </a:r>
-            <a:endParaRPr lang="en-US" dirty="0"/>
           </a:p>
         </p:txBody>
       </p:sp>
@@ -3561,6 +3562,912 @@
     <p:extLst>
       <p:ext uri="{BB962C8B-B14F-4D97-AF65-F5344CB8AC3E}">
         <p14:creationId xmlns:p14="http://schemas.microsoft.com/office/powerpoint/2010/main" val="991879065"/>
+      </p:ext>
+    </p:extLst>
+  </p:cSld>
+  <p:clrMapOvr>
+    <a:masterClrMapping/>
+  </p:clrMapOvr>
+</p:sld>
+</file>
+
+<file path=ppt/slides/slide11.xml><?xml version="1.0" encoding="utf-8"?>
+<p:sld xmlns:a="http://schemas.openxmlformats.org/drawingml/2006/main" xmlns:r="http://schemas.openxmlformats.org/officeDocument/2006/relationships" xmlns:p="http://schemas.openxmlformats.org/presentationml/2006/main">
+  <p:cSld>
+    <p:spTree>
+      <p:nvGrpSpPr>
+        <p:cNvPr id="1" name=""/>
+        <p:cNvGrpSpPr/>
+        <p:nvPr/>
+      </p:nvGrpSpPr>
+      <p:grpSpPr>
+        <a:xfrm>
+          <a:off x="0" y="0"/>
+          <a:ext cx="0" cy="0"/>
+          <a:chOff x="0" y="0"/>
+          <a:chExt cx="0" cy="0"/>
+        </a:xfrm>
+      </p:grpSpPr>
+      <p:pic>
+        <p:nvPicPr>
+          <p:cNvPr id="3" name="Picture 2"/>
+          <p:cNvPicPr>
+            <a:picLocks noChangeAspect="1"/>
+          </p:cNvPicPr>
+          <p:nvPr/>
+        </p:nvPicPr>
+        <p:blipFill>
+          <a:blip r:embed="rId2">
+            <a:extLst>
+              <a:ext uri="{28A0092B-C50C-407E-A947-70E740481C1C}">
+                <a14:useLocalDpi xmlns:a14="http://schemas.microsoft.com/office/drawing/2010/main" val="0"/>
+              </a:ext>
+            </a:extLst>
+          </a:blip>
+          <a:stretch>
+            <a:fillRect/>
+          </a:stretch>
+        </p:blipFill>
+        <p:spPr>
+          <a:xfrm>
+            <a:off x="14302" y="425692"/>
+            <a:ext cx="12163395" cy="6006615"/>
+          </a:xfrm>
+          <a:prstGeom prst="rect">
+            <a:avLst/>
+          </a:prstGeom>
+        </p:spPr>
+      </p:pic>
+      <p:sp>
+        <p:nvSpPr>
+          <p:cNvPr id="4" name="Title 1"/>
+          <p:cNvSpPr txBox="1">
+            <a:spLocks/>
+          </p:cNvSpPr>
+          <p:nvPr/>
+        </p:nvSpPr>
+        <p:spPr>
+          <a:xfrm>
+            <a:off x="558435" y="425692"/>
+            <a:ext cx="5054575" cy="737036"/>
+          </a:xfrm>
+          <a:prstGeom prst="rect">
+            <a:avLst/>
+          </a:prstGeom>
+        </p:spPr>
+        <p:txBody>
+          <a:bodyPr/>
+          <a:lstStyle>
+            <a:lvl1pPr algn="l" defTabSz="914400" rtl="0" eaLnBrk="1" latinLnBrk="0" hangingPunct="1">
+              <a:lnSpc>
+                <a:spcPct val="90000"/>
+              </a:lnSpc>
+              <a:spcBef>
+                <a:spcPct val="0"/>
+              </a:spcBef>
+              <a:buNone/>
+              <a:defRPr sz="4400" kern="1200">
+                <a:solidFill>
+                  <a:schemeClr val="tx1"/>
+                </a:solidFill>
+                <a:latin typeface="+mj-lt"/>
+                <a:ea typeface="+mj-ea"/>
+                <a:cs typeface="+mj-cs"/>
+              </a:defRPr>
+            </a:lvl1pPr>
+          </a:lstStyle>
+          <a:p>
+            <a:r>
+              <a:rPr lang="en-US" dirty="0"/>
+              <a:t>Cutout</a:t>
+            </a:r>
+          </a:p>
+        </p:txBody>
+      </p:sp>
+      <p:sp>
+        <p:nvSpPr>
+          <p:cNvPr id="6" name="TextBox 5"/>
+          <p:cNvSpPr txBox="1"/>
+          <p:nvPr/>
+        </p:nvSpPr>
+        <p:spPr>
+          <a:xfrm>
+            <a:off x="8570794" y="4667534"/>
+            <a:ext cx="3193823" cy="369332"/>
+          </a:xfrm>
+          <a:prstGeom prst="rect">
+            <a:avLst/>
+          </a:prstGeom>
+          <a:noFill/>
+        </p:spPr>
+        <p:txBody>
+          <a:bodyPr wrap="none" rtlCol="0">
+            <a:spAutoFit/>
+          </a:bodyPr>
+          <a:lstStyle/>
+          <a:p>
+            <a:r>
+              <a:rPr lang="en-US" dirty="0"/>
+              <a:t>Outlet for the air pump out port</a:t>
+            </a:r>
+          </a:p>
+        </p:txBody>
+      </p:sp>
+      <p:cxnSp>
+        <p:nvCxnSpPr>
+          <p:cNvPr id="7" name="Straight Arrow Connector 6"/>
+          <p:cNvCxnSpPr>
+            <a:stCxn id="6" idx="0"/>
+          </p:cNvCxnSpPr>
+          <p:nvPr/>
+        </p:nvCxnSpPr>
+        <p:spPr>
+          <a:xfrm flipH="1" flipV="1">
+            <a:off x="9171296" y="2879679"/>
+            <a:ext cx="996410" cy="1787855"/>
+          </a:xfrm>
+          <a:prstGeom prst="straightConnector1">
+            <a:avLst/>
+          </a:prstGeom>
+          <a:ln w="57150">
+            <a:solidFill>
+              <a:schemeClr val="tx1"/>
+            </a:solidFill>
+            <a:tailEnd type="triangle"/>
+          </a:ln>
+        </p:spPr>
+        <p:style>
+          <a:lnRef idx="1">
+            <a:schemeClr val="accent1"/>
+          </a:lnRef>
+          <a:fillRef idx="0">
+            <a:schemeClr val="accent1"/>
+          </a:fillRef>
+          <a:effectRef idx="0">
+            <a:schemeClr val="accent1"/>
+          </a:effectRef>
+          <a:fontRef idx="minor">
+            <a:schemeClr val="tx1"/>
+          </a:fontRef>
+        </p:style>
+      </p:cxnSp>
+      <p:cxnSp>
+        <p:nvCxnSpPr>
+          <p:cNvPr id="8" name="Straight Arrow Connector 7"/>
+          <p:cNvCxnSpPr/>
+          <p:nvPr/>
+        </p:nvCxnSpPr>
+        <p:spPr>
+          <a:xfrm flipH="1">
+            <a:off x="8666329" y="1162728"/>
+            <a:ext cx="295373" cy="1184688"/>
+          </a:xfrm>
+          <a:prstGeom prst="straightConnector1">
+            <a:avLst/>
+          </a:prstGeom>
+          <a:ln w="57150">
+            <a:solidFill>
+              <a:schemeClr val="tx1"/>
+            </a:solidFill>
+            <a:tailEnd type="triangle"/>
+          </a:ln>
+        </p:spPr>
+        <p:style>
+          <a:lnRef idx="1">
+            <a:schemeClr val="accent1"/>
+          </a:lnRef>
+          <a:fillRef idx="0">
+            <a:schemeClr val="accent1"/>
+          </a:fillRef>
+          <a:effectRef idx="0">
+            <a:schemeClr val="accent1"/>
+          </a:effectRef>
+          <a:fontRef idx="minor">
+            <a:schemeClr val="tx1"/>
+          </a:fontRef>
+        </p:style>
+      </p:cxnSp>
+      <p:sp>
+        <p:nvSpPr>
+          <p:cNvPr id="10" name="TextBox 9"/>
+          <p:cNvSpPr txBox="1"/>
+          <p:nvPr/>
+        </p:nvSpPr>
+        <p:spPr>
+          <a:xfrm>
+            <a:off x="8961702" y="636559"/>
+            <a:ext cx="3138986" cy="923330"/>
+          </a:xfrm>
+          <a:prstGeom prst="rect">
+            <a:avLst/>
+          </a:prstGeom>
+          <a:noFill/>
+        </p:spPr>
+        <p:txBody>
+          <a:bodyPr wrap="square" rtlCol="0">
+            <a:spAutoFit/>
+          </a:bodyPr>
+          <a:lstStyle/>
+          <a:p>
+            <a:r>
+              <a:rPr lang="en-US" dirty="0"/>
+              <a:t>Meander for escaping air during pump down and limiting radon passage during transport</a:t>
+            </a:r>
+          </a:p>
+        </p:txBody>
+      </p:sp>
+      <p:sp>
+        <p:nvSpPr>
+          <p:cNvPr id="13" name="TextBox 12"/>
+          <p:cNvSpPr txBox="1"/>
+          <p:nvPr/>
+        </p:nvSpPr>
+        <p:spPr>
+          <a:xfrm>
+            <a:off x="5823577" y="2528246"/>
+            <a:ext cx="1464327" cy="1477328"/>
+          </a:xfrm>
+          <a:prstGeom prst="rect">
+            <a:avLst/>
+          </a:prstGeom>
+          <a:noFill/>
+        </p:spPr>
+        <p:txBody>
+          <a:bodyPr wrap="square" rtlCol="0">
+            <a:spAutoFit/>
+          </a:bodyPr>
+          <a:lstStyle/>
+          <a:p>
+            <a:r>
+              <a:rPr lang="en-US" dirty="0"/>
+              <a:t>Tapped holes for connecting thermal straps</a:t>
+            </a:r>
+          </a:p>
+        </p:txBody>
+      </p:sp>
+      <p:cxnSp>
+        <p:nvCxnSpPr>
+          <p:cNvPr id="14" name="Straight Arrow Connector 13"/>
+          <p:cNvCxnSpPr/>
+          <p:nvPr/>
+        </p:nvCxnSpPr>
+        <p:spPr>
+          <a:xfrm>
+            <a:off x="5613010" y="3773606"/>
+            <a:ext cx="482989" cy="539087"/>
+          </a:xfrm>
+          <a:prstGeom prst="straightConnector1">
+            <a:avLst/>
+          </a:prstGeom>
+          <a:ln w="57150">
+            <a:solidFill>
+              <a:schemeClr val="tx1"/>
+            </a:solidFill>
+            <a:tailEnd type="triangle"/>
+          </a:ln>
+        </p:spPr>
+        <p:style>
+          <a:lnRef idx="1">
+            <a:schemeClr val="accent1"/>
+          </a:lnRef>
+          <a:fillRef idx="0">
+            <a:schemeClr val="accent1"/>
+          </a:fillRef>
+          <a:effectRef idx="0">
+            <a:schemeClr val="accent1"/>
+          </a:effectRef>
+          <a:fontRef idx="minor">
+            <a:schemeClr val="tx1"/>
+          </a:fontRef>
+        </p:style>
+      </p:cxnSp>
+      <p:cxnSp>
+        <p:nvCxnSpPr>
+          <p:cNvPr id="19" name="Straight Arrow Connector 18"/>
+          <p:cNvCxnSpPr>
+            <a:stCxn id="13" idx="0"/>
+          </p:cNvCxnSpPr>
+          <p:nvPr/>
+        </p:nvCxnSpPr>
+        <p:spPr>
+          <a:xfrm flipV="1">
+            <a:off x="6555741" y="2115403"/>
+            <a:ext cx="1164536" cy="412843"/>
+          </a:xfrm>
+          <a:prstGeom prst="straightConnector1">
+            <a:avLst/>
+          </a:prstGeom>
+          <a:ln w="57150">
+            <a:solidFill>
+              <a:schemeClr val="tx1"/>
+            </a:solidFill>
+            <a:tailEnd type="triangle"/>
+          </a:ln>
+        </p:spPr>
+        <p:style>
+          <a:lnRef idx="1">
+            <a:schemeClr val="accent1"/>
+          </a:lnRef>
+          <a:fillRef idx="0">
+            <a:schemeClr val="accent1"/>
+          </a:fillRef>
+          <a:effectRef idx="0">
+            <a:schemeClr val="accent1"/>
+          </a:effectRef>
+          <a:fontRef idx="minor">
+            <a:schemeClr val="tx1"/>
+          </a:fontRef>
+        </p:style>
+      </p:cxnSp>
+      <p:cxnSp>
+        <p:nvCxnSpPr>
+          <p:cNvPr id="28" name="Straight Connector 27"/>
+          <p:cNvCxnSpPr>
+            <a:stCxn id="13" idx="1"/>
+          </p:cNvCxnSpPr>
+          <p:nvPr/>
+        </p:nvCxnSpPr>
+        <p:spPr>
+          <a:xfrm flipH="1">
+            <a:off x="5613010" y="3266910"/>
+            <a:ext cx="210567" cy="506696"/>
+          </a:xfrm>
+          <a:prstGeom prst="line">
+            <a:avLst/>
+          </a:prstGeom>
+          <a:ln w="57150">
+            <a:solidFill>
+              <a:schemeClr val="tx1"/>
+            </a:solidFill>
+          </a:ln>
+        </p:spPr>
+        <p:style>
+          <a:lnRef idx="1">
+            <a:schemeClr val="accent1"/>
+          </a:lnRef>
+          <a:fillRef idx="0">
+            <a:schemeClr val="accent1"/>
+          </a:fillRef>
+          <a:effectRef idx="0">
+            <a:schemeClr val="accent1"/>
+          </a:effectRef>
+          <a:fontRef idx="minor">
+            <a:schemeClr val="tx1"/>
+          </a:fontRef>
+        </p:style>
+      </p:cxnSp>
+    </p:spTree>
+    <p:extLst>
+      <p:ext uri="{BB962C8B-B14F-4D97-AF65-F5344CB8AC3E}">
+        <p14:creationId xmlns:p14="http://schemas.microsoft.com/office/powerpoint/2010/main" val="3256728736"/>
+      </p:ext>
+    </p:extLst>
+  </p:cSld>
+  <p:clrMapOvr>
+    <a:masterClrMapping/>
+  </p:clrMapOvr>
+</p:sld>
+</file>
+
+<file path=ppt/slides/slide12.xml><?xml version="1.0" encoding="utf-8"?>
+<p:sld xmlns:a="http://schemas.openxmlformats.org/drawingml/2006/main" xmlns:r="http://schemas.openxmlformats.org/officeDocument/2006/relationships" xmlns:p="http://schemas.openxmlformats.org/presentationml/2006/main">
+  <p:cSld>
+    <p:spTree>
+      <p:nvGrpSpPr>
+        <p:cNvPr id="1" name=""/>
+        <p:cNvGrpSpPr/>
+        <p:nvPr/>
+      </p:nvGrpSpPr>
+      <p:grpSpPr>
+        <a:xfrm>
+          <a:off x="0" y="0"/>
+          <a:ext cx="0" cy="0"/>
+          <a:chOff x="0" y="0"/>
+          <a:chExt cx="0" cy="0"/>
+        </a:xfrm>
+      </p:grpSpPr>
+      <p:pic>
+        <p:nvPicPr>
+          <p:cNvPr id="3" name="Picture 2"/>
+          <p:cNvPicPr>
+            <a:picLocks noChangeAspect="1"/>
+          </p:cNvPicPr>
+          <p:nvPr/>
+        </p:nvPicPr>
+        <p:blipFill>
+          <a:blip r:embed="rId2">
+            <a:extLst>
+              <a:ext uri="{28A0092B-C50C-407E-A947-70E740481C1C}">
+                <a14:useLocalDpi xmlns:a14="http://schemas.microsoft.com/office/drawing/2010/main" val="0"/>
+              </a:ext>
+            </a:extLst>
+          </a:blip>
+          <a:stretch>
+            <a:fillRect/>
+          </a:stretch>
+        </p:blipFill>
+        <p:spPr>
+          <a:xfrm>
+            <a:off x="2492990" y="1039842"/>
+            <a:ext cx="9535014" cy="4869639"/>
+          </a:xfrm>
+          <a:prstGeom prst="rect">
+            <a:avLst/>
+          </a:prstGeom>
+        </p:spPr>
+      </p:pic>
+      <p:sp>
+        <p:nvSpPr>
+          <p:cNvPr id="4" name="Title 1"/>
+          <p:cNvSpPr txBox="1">
+            <a:spLocks/>
+          </p:cNvSpPr>
+          <p:nvPr/>
+        </p:nvSpPr>
+        <p:spPr>
+          <a:xfrm>
+            <a:off x="558435" y="425692"/>
+            <a:ext cx="5054575" cy="737036"/>
+          </a:xfrm>
+          <a:prstGeom prst="rect">
+            <a:avLst/>
+          </a:prstGeom>
+        </p:spPr>
+        <p:txBody>
+          <a:bodyPr/>
+          <a:lstStyle>
+            <a:lvl1pPr algn="l" defTabSz="914400" rtl="0" eaLnBrk="1" latinLnBrk="0" hangingPunct="1">
+              <a:lnSpc>
+                <a:spcPct val="90000"/>
+              </a:lnSpc>
+              <a:spcBef>
+                <a:spcPct val="0"/>
+              </a:spcBef>
+              <a:buNone/>
+              <a:defRPr sz="4400" kern="1200">
+                <a:solidFill>
+                  <a:schemeClr val="tx1"/>
+                </a:solidFill>
+                <a:latin typeface="+mj-lt"/>
+                <a:ea typeface="+mj-ea"/>
+                <a:cs typeface="+mj-cs"/>
+              </a:defRPr>
+            </a:lvl1pPr>
+          </a:lstStyle>
+          <a:p>
+            <a:r>
+              <a:rPr lang="en-US" dirty="0"/>
+              <a:t>Questions:</a:t>
+            </a:r>
+          </a:p>
+        </p:txBody>
+      </p:sp>
+      <p:cxnSp>
+        <p:nvCxnSpPr>
+          <p:cNvPr id="19" name="Straight Arrow Connector 18"/>
+          <p:cNvCxnSpPr/>
+          <p:nvPr/>
+        </p:nvCxnSpPr>
+        <p:spPr>
+          <a:xfrm>
+            <a:off x="5613010" y="2088107"/>
+            <a:ext cx="1647487" cy="1038564"/>
+          </a:xfrm>
+          <a:prstGeom prst="straightConnector1">
+            <a:avLst/>
+          </a:prstGeom>
+          <a:ln w="57150">
+            <a:solidFill>
+              <a:schemeClr val="tx1"/>
+            </a:solidFill>
+            <a:tailEnd type="triangle"/>
+          </a:ln>
+        </p:spPr>
+        <p:style>
+          <a:lnRef idx="1">
+            <a:schemeClr val="accent1"/>
+          </a:lnRef>
+          <a:fillRef idx="0">
+            <a:schemeClr val="accent1"/>
+          </a:fillRef>
+          <a:effectRef idx="0">
+            <a:schemeClr val="accent1"/>
+          </a:effectRef>
+          <a:fontRef idx="minor">
+            <a:schemeClr val="tx1"/>
+          </a:fontRef>
+        </p:style>
+      </p:cxnSp>
+      <p:sp>
+        <p:nvSpPr>
+          <p:cNvPr id="12" name="Text Placeholder 3"/>
+          <p:cNvSpPr txBox="1">
+            <a:spLocks/>
+          </p:cNvSpPr>
+          <p:nvPr/>
+        </p:nvSpPr>
+        <p:spPr>
+          <a:xfrm>
+            <a:off x="85032" y="1162728"/>
+            <a:ext cx="2615966" cy="5269580"/>
+          </a:xfrm>
+          <a:prstGeom prst="rect">
+            <a:avLst/>
+          </a:prstGeom>
+        </p:spPr>
+        <p:txBody>
+          <a:bodyPr>
+            <a:normAutofit/>
+          </a:bodyPr>
+          <a:lstStyle>
+            <a:lvl1pPr marL="228600" indent="-228600" algn="l" defTabSz="914400" rtl="0" eaLnBrk="1" latinLnBrk="0" hangingPunct="1">
+              <a:lnSpc>
+                <a:spcPct val="90000"/>
+              </a:lnSpc>
+              <a:spcBef>
+                <a:spcPts val="1000"/>
+              </a:spcBef>
+              <a:buFont typeface="Arial" panose="020B0604020202020204" pitchFamily="34" charset="0"/>
+              <a:buChar char="•"/>
+              <a:defRPr sz="2800" kern="1200">
+                <a:solidFill>
+                  <a:schemeClr val="tx1"/>
+                </a:solidFill>
+                <a:latin typeface="+mn-lt"/>
+                <a:ea typeface="+mn-ea"/>
+                <a:cs typeface="+mn-cs"/>
+              </a:defRPr>
+            </a:lvl1pPr>
+            <a:lvl2pPr marL="685800" indent="-228600" algn="l" defTabSz="914400" rtl="0" eaLnBrk="1" latinLnBrk="0" hangingPunct="1">
+              <a:lnSpc>
+                <a:spcPct val="90000"/>
+              </a:lnSpc>
+              <a:spcBef>
+                <a:spcPts val="500"/>
+              </a:spcBef>
+              <a:buFont typeface="Arial" panose="020B0604020202020204" pitchFamily="34" charset="0"/>
+              <a:buChar char="•"/>
+              <a:defRPr sz="2400" kern="1200">
+                <a:solidFill>
+                  <a:schemeClr val="tx1"/>
+                </a:solidFill>
+                <a:latin typeface="+mn-lt"/>
+                <a:ea typeface="+mn-ea"/>
+                <a:cs typeface="+mn-cs"/>
+              </a:defRPr>
+            </a:lvl2pPr>
+            <a:lvl3pPr marL="1143000" indent="-228600" algn="l" defTabSz="914400" rtl="0" eaLnBrk="1" latinLnBrk="0" hangingPunct="1">
+              <a:lnSpc>
+                <a:spcPct val="90000"/>
+              </a:lnSpc>
+              <a:spcBef>
+                <a:spcPts val="500"/>
+              </a:spcBef>
+              <a:buFont typeface="Arial" panose="020B0604020202020204" pitchFamily="34" charset="0"/>
+              <a:buChar char="•"/>
+              <a:defRPr sz="2000" kern="1200">
+                <a:solidFill>
+                  <a:schemeClr val="tx1"/>
+                </a:solidFill>
+                <a:latin typeface="+mn-lt"/>
+                <a:ea typeface="+mn-ea"/>
+                <a:cs typeface="+mn-cs"/>
+              </a:defRPr>
+            </a:lvl3pPr>
+            <a:lvl4pPr marL="1600200" indent="-228600" algn="l" defTabSz="914400" rtl="0" eaLnBrk="1" latinLnBrk="0" hangingPunct="1">
+              <a:lnSpc>
+                <a:spcPct val="90000"/>
+              </a:lnSpc>
+              <a:spcBef>
+                <a:spcPts val="500"/>
+              </a:spcBef>
+              <a:buFont typeface="Arial" panose="020B0604020202020204" pitchFamily="34" charset="0"/>
+              <a:buChar char="•"/>
+              <a:defRPr sz="1800" kern="1200">
+                <a:solidFill>
+                  <a:schemeClr val="tx1"/>
+                </a:solidFill>
+                <a:latin typeface="+mn-lt"/>
+                <a:ea typeface="+mn-ea"/>
+                <a:cs typeface="+mn-cs"/>
+              </a:defRPr>
+            </a:lvl4pPr>
+            <a:lvl5pPr marL="2057400" indent="-228600" algn="l" defTabSz="914400" rtl="0" eaLnBrk="1" latinLnBrk="0" hangingPunct="1">
+              <a:lnSpc>
+                <a:spcPct val="90000"/>
+              </a:lnSpc>
+              <a:spcBef>
+                <a:spcPts val="500"/>
+              </a:spcBef>
+              <a:buFont typeface="Arial" panose="020B0604020202020204" pitchFamily="34" charset="0"/>
+              <a:buChar char="•"/>
+              <a:defRPr sz="1800" kern="1200">
+                <a:solidFill>
+                  <a:schemeClr val="tx1"/>
+                </a:solidFill>
+                <a:latin typeface="+mn-lt"/>
+                <a:ea typeface="+mn-ea"/>
+                <a:cs typeface="+mn-cs"/>
+              </a:defRPr>
+            </a:lvl5pPr>
+            <a:lvl6pPr marL="2514600" indent="-228600" algn="l" defTabSz="914400" rtl="0" eaLnBrk="1" latinLnBrk="0" hangingPunct="1">
+              <a:lnSpc>
+                <a:spcPct val="90000"/>
+              </a:lnSpc>
+              <a:spcBef>
+                <a:spcPts val="500"/>
+              </a:spcBef>
+              <a:buFont typeface="Arial" panose="020B0604020202020204" pitchFamily="34" charset="0"/>
+              <a:buChar char="•"/>
+              <a:defRPr sz="1800" kern="1200">
+                <a:solidFill>
+                  <a:schemeClr val="tx1"/>
+                </a:solidFill>
+                <a:latin typeface="+mn-lt"/>
+                <a:ea typeface="+mn-ea"/>
+                <a:cs typeface="+mn-cs"/>
+              </a:defRPr>
+            </a:lvl6pPr>
+            <a:lvl7pPr marL="2971800" indent="-228600" algn="l" defTabSz="914400" rtl="0" eaLnBrk="1" latinLnBrk="0" hangingPunct="1">
+              <a:lnSpc>
+                <a:spcPct val="90000"/>
+              </a:lnSpc>
+              <a:spcBef>
+                <a:spcPts val="500"/>
+              </a:spcBef>
+              <a:buFont typeface="Arial" panose="020B0604020202020204" pitchFamily="34" charset="0"/>
+              <a:buChar char="•"/>
+              <a:defRPr sz="1800" kern="1200">
+                <a:solidFill>
+                  <a:schemeClr val="tx1"/>
+                </a:solidFill>
+                <a:latin typeface="+mn-lt"/>
+                <a:ea typeface="+mn-ea"/>
+                <a:cs typeface="+mn-cs"/>
+              </a:defRPr>
+            </a:lvl7pPr>
+            <a:lvl8pPr marL="3429000" indent="-228600" algn="l" defTabSz="914400" rtl="0" eaLnBrk="1" latinLnBrk="0" hangingPunct="1">
+              <a:lnSpc>
+                <a:spcPct val="90000"/>
+              </a:lnSpc>
+              <a:spcBef>
+                <a:spcPts val="500"/>
+              </a:spcBef>
+              <a:buFont typeface="Arial" panose="020B0604020202020204" pitchFamily="34" charset="0"/>
+              <a:buChar char="•"/>
+              <a:defRPr sz="1800" kern="1200">
+                <a:solidFill>
+                  <a:schemeClr val="tx1"/>
+                </a:solidFill>
+                <a:latin typeface="+mn-lt"/>
+                <a:ea typeface="+mn-ea"/>
+                <a:cs typeface="+mn-cs"/>
+              </a:defRPr>
+            </a:lvl8pPr>
+            <a:lvl9pPr marL="3886200" indent="-228600" algn="l" defTabSz="914400" rtl="0" eaLnBrk="1" latinLnBrk="0" hangingPunct="1">
+              <a:lnSpc>
+                <a:spcPct val="90000"/>
+              </a:lnSpc>
+              <a:spcBef>
+                <a:spcPts val="500"/>
+              </a:spcBef>
+              <a:buFont typeface="Arial" panose="020B0604020202020204" pitchFamily="34" charset="0"/>
+              <a:buChar char="•"/>
+              <a:defRPr sz="1800" kern="1200">
+                <a:solidFill>
+                  <a:schemeClr val="tx1"/>
+                </a:solidFill>
+                <a:latin typeface="+mn-lt"/>
+                <a:ea typeface="+mn-ea"/>
+                <a:cs typeface="+mn-cs"/>
+              </a:defRPr>
+            </a:lvl9pPr>
+          </a:lstStyle>
+          <a:p>
+            <a:pPr marL="285750" indent="-285750"/>
+            <a:r>
+              <a:rPr lang="en-US" sz="2000" dirty="0"/>
+              <a:t>How much clearance do we need above the board?</a:t>
+            </a:r>
+          </a:p>
+          <a:p>
+            <a:pPr marL="285750" indent="-285750"/>
+            <a:r>
+              <a:rPr lang="en-US" sz="2000" dirty="0"/>
+              <a:t>Do we know exactly how thick the PCB will be?</a:t>
+            </a:r>
+            <a:endParaRPr lang="en-US" sz="2000" dirty="0"/>
+          </a:p>
+          <a:p>
+            <a:pPr marL="285750" indent="-285750"/>
+            <a:r>
+              <a:rPr lang="en-US" sz="2000" dirty="0"/>
+              <a:t>How much clearance do we need below the board?</a:t>
+            </a:r>
+          </a:p>
+        </p:txBody>
+      </p:sp>
+      <p:cxnSp>
+        <p:nvCxnSpPr>
+          <p:cNvPr id="18" name="Straight Arrow Connector 17"/>
+          <p:cNvCxnSpPr/>
+          <p:nvPr/>
+        </p:nvCxnSpPr>
+        <p:spPr>
+          <a:xfrm flipV="1">
+            <a:off x="4635554" y="3474664"/>
+            <a:ext cx="2338452" cy="577386"/>
+          </a:xfrm>
+          <a:prstGeom prst="straightConnector1">
+            <a:avLst/>
+          </a:prstGeom>
+          <a:ln w="57150">
+            <a:solidFill>
+              <a:schemeClr val="tx1"/>
+            </a:solidFill>
+            <a:tailEnd type="triangle"/>
+          </a:ln>
+        </p:spPr>
+        <p:style>
+          <a:lnRef idx="1">
+            <a:schemeClr val="accent1"/>
+          </a:lnRef>
+          <a:fillRef idx="0">
+            <a:schemeClr val="accent1"/>
+          </a:fillRef>
+          <a:effectRef idx="0">
+            <a:schemeClr val="accent1"/>
+          </a:effectRef>
+          <a:fontRef idx="minor">
+            <a:schemeClr val="tx1"/>
+          </a:fontRef>
+        </p:style>
+      </p:cxnSp>
+      <p:cxnSp>
+        <p:nvCxnSpPr>
+          <p:cNvPr id="22" name="Straight Arrow Connector 21"/>
+          <p:cNvCxnSpPr/>
+          <p:nvPr/>
+        </p:nvCxnSpPr>
+        <p:spPr>
+          <a:xfrm>
+            <a:off x="5084752" y="2743199"/>
+            <a:ext cx="528258" cy="419917"/>
+          </a:xfrm>
+          <a:prstGeom prst="straightConnector1">
+            <a:avLst/>
+          </a:prstGeom>
+          <a:ln w="57150">
+            <a:solidFill>
+              <a:schemeClr val="tx1"/>
+            </a:solidFill>
+            <a:tailEnd type="triangle"/>
+          </a:ln>
+        </p:spPr>
+        <p:style>
+          <a:lnRef idx="1">
+            <a:schemeClr val="accent1"/>
+          </a:lnRef>
+          <a:fillRef idx="0">
+            <a:schemeClr val="accent1"/>
+          </a:fillRef>
+          <a:effectRef idx="0">
+            <a:schemeClr val="accent1"/>
+          </a:effectRef>
+          <a:fontRef idx="minor">
+            <a:schemeClr val="tx1"/>
+          </a:fontRef>
+        </p:style>
+      </p:cxnSp>
+      <p:cxnSp>
+        <p:nvCxnSpPr>
+          <p:cNvPr id="29" name="Straight Connector 28"/>
+          <p:cNvCxnSpPr/>
+          <p:nvPr/>
+        </p:nvCxnSpPr>
+        <p:spPr>
+          <a:xfrm flipH="1">
+            <a:off x="2492990" y="2743199"/>
+            <a:ext cx="2591762" cy="203678"/>
+          </a:xfrm>
+          <a:prstGeom prst="line">
+            <a:avLst/>
+          </a:prstGeom>
+          <a:ln w="57150">
+            <a:solidFill>
+              <a:schemeClr val="tx1"/>
+            </a:solidFill>
+          </a:ln>
+        </p:spPr>
+        <p:style>
+          <a:lnRef idx="1">
+            <a:schemeClr val="accent1"/>
+          </a:lnRef>
+          <a:fillRef idx="0">
+            <a:schemeClr val="accent1"/>
+          </a:fillRef>
+          <a:effectRef idx="0">
+            <a:schemeClr val="accent1"/>
+          </a:effectRef>
+          <a:fontRef idx="minor">
+            <a:schemeClr val="tx1"/>
+          </a:fontRef>
+        </p:style>
+      </p:cxnSp>
+      <p:cxnSp>
+        <p:nvCxnSpPr>
+          <p:cNvPr id="30" name="Straight Connector 29"/>
+          <p:cNvCxnSpPr/>
+          <p:nvPr/>
+        </p:nvCxnSpPr>
+        <p:spPr>
+          <a:xfrm flipH="1">
+            <a:off x="2370648" y="4052050"/>
+            <a:ext cx="2264906" cy="0"/>
+          </a:xfrm>
+          <a:prstGeom prst="line">
+            <a:avLst/>
+          </a:prstGeom>
+          <a:ln w="57150">
+            <a:solidFill>
+              <a:schemeClr val="tx1"/>
+            </a:solidFill>
+          </a:ln>
+        </p:spPr>
+        <p:style>
+          <a:lnRef idx="1">
+            <a:schemeClr val="accent1"/>
+          </a:lnRef>
+          <a:fillRef idx="0">
+            <a:schemeClr val="accent1"/>
+          </a:fillRef>
+          <a:effectRef idx="0">
+            <a:schemeClr val="accent1"/>
+          </a:effectRef>
+          <a:fontRef idx="minor">
+            <a:schemeClr val="tx1"/>
+          </a:fontRef>
+        </p:style>
+      </p:cxnSp>
+      <p:cxnSp>
+        <p:nvCxnSpPr>
+          <p:cNvPr id="33" name="Straight Connector 32"/>
+          <p:cNvCxnSpPr/>
+          <p:nvPr/>
+        </p:nvCxnSpPr>
+        <p:spPr>
+          <a:xfrm flipH="1" flipV="1">
+            <a:off x="2370648" y="1684233"/>
+            <a:ext cx="3242362" cy="403873"/>
+          </a:xfrm>
+          <a:prstGeom prst="line">
+            <a:avLst/>
+          </a:prstGeom>
+          <a:ln w="57150">
+            <a:solidFill>
+              <a:schemeClr val="tx1"/>
+            </a:solidFill>
+          </a:ln>
+        </p:spPr>
+        <p:style>
+          <a:lnRef idx="1">
+            <a:schemeClr val="accent1"/>
+          </a:lnRef>
+          <a:fillRef idx="0">
+            <a:schemeClr val="accent1"/>
+          </a:fillRef>
+          <a:effectRef idx="0">
+            <a:schemeClr val="accent1"/>
+          </a:effectRef>
+          <a:fontRef idx="minor">
+            <a:schemeClr val="tx1"/>
+          </a:fontRef>
+        </p:style>
+      </p:cxnSp>
+    </p:spTree>
+    <p:extLst>
+      <p:ext uri="{BB962C8B-B14F-4D97-AF65-F5344CB8AC3E}">
+        <p14:creationId xmlns:p14="http://schemas.microsoft.com/office/powerpoint/2010/main" val="3502123918"/>
       </p:ext>
     </p:extLst>
   </p:cSld>
@@ -5159,13 +6066,15 @@
       <p:cxnSp>
         <p:nvCxnSpPr>
           <p:cNvPr id="7" name="Straight Arrow Connector 6"/>
-          <p:cNvCxnSpPr/>
+          <p:cNvCxnSpPr>
+            <a:stCxn id="2" idx="0"/>
+          </p:cNvCxnSpPr>
           <p:nvPr/>
         </p:nvCxnSpPr>
         <p:spPr>
           <a:xfrm flipH="1" flipV="1">
-            <a:off x="9171296" y="2879678"/>
-            <a:ext cx="832514" cy="1787857"/>
+            <a:off x="9171296" y="2879679"/>
+            <a:ext cx="996410" cy="1787855"/>
           </a:xfrm>
           <a:prstGeom prst="straightConnector1">
             <a:avLst/>
